--- a/pdf.pptx
+++ b/pdf.pptx
@@ -8648,7 +8648,7 @@
                 <a:cs typeface="Nunito"/>
                 <a:sym typeface="Nunito"/>
               </a:rPr>
-              <a:t> text editors that may have a few additional functionalities such as syntax (grammar) highlighting.</a:t>
+              <a:t> text editors that have a few additional functionalities over notepad, such as syntax (grammar) highlighting.</a:t>
             </a:r>
             <a:endParaRPr sz="6500">
               <a:solidFill>
@@ -9455,7 +9455,7 @@
                 <a:cs typeface="Nunito"/>
                 <a:sym typeface="Nunito"/>
               </a:rPr>
-              <a:t> are heavyweight text editors plus all the other tools you will need during the programming process. These tools are usually language-specific.</a:t>
+              <a:t> are heavyweight text editors plus all the other tools you will need during the programming process. These tools are usually program language-specific.</a:t>
             </a:r>
             <a:endParaRPr sz="6500">
               <a:solidFill>
@@ -10197,7 +10197,31 @@
                 <a:cs typeface="Nunito"/>
                 <a:sym typeface="Nunito"/>
               </a:rPr>
-              <a:t>On Windows 10+, your OS comes with a Windows subsystem for Linux (WSL) which allows you to interface with your OS via a Unix terminal.</a:t>
+              <a:t>On Windows 10+, your OS comes with a Windows subsystem for Linux (WSL) which allows you to interface with your OS via a </a:t>
+            </a:r>
+            <a:r>
+              <a:rPr lang="zh-CN" sz="6500">
+                <a:solidFill>
+                  <a:srgbClr val="323232"/>
+                </a:solidFill>
+                <a:latin typeface="Nunito"/>
+                <a:ea typeface="Nunito"/>
+                <a:cs typeface="Nunito"/>
+                <a:sym typeface="Nunito"/>
+              </a:rPr>
+              <a:t>U</a:t>
+            </a:r>
+            <a:r>
+              <a:rPr lang="zh-CN" sz="6500">
+                <a:solidFill>
+                  <a:srgbClr val="323232"/>
+                </a:solidFill>
+                <a:latin typeface="Nunito"/>
+                <a:ea typeface="Nunito"/>
+                <a:cs typeface="Nunito"/>
+                <a:sym typeface="Nunito"/>
+              </a:rPr>
+              <a:t>nix terminal.</a:t>
             </a:r>
             <a:endParaRPr sz="6500">
               <a:solidFill>
@@ -12801,31 +12825,7 @@
                 <a:cs typeface="Nunito"/>
                 <a:sym typeface="Nunito"/>
               </a:rPr>
-              <a:t>: "change directory" i.e. go to the </a:t>
-            </a:r>
-            <a:r>
-              <a:rPr lang="zh-CN" sz="6500">
-                <a:solidFill>
-                  <a:srgbClr val="A6192E"/>
-                </a:solidFill>
-                <a:latin typeface="Courier New"/>
-                <a:ea typeface="Courier New"/>
-                <a:cs typeface="Courier New"/>
-                <a:sym typeface="Courier New"/>
-              </a:rPr>
-              <a:t>[directory]</a:t>
-            </a:r>
-            <a:r>
-              <a:rPr lang="zh-CN" sz="6500">
-                <a:solidFill>
-                  <a:srgbClr val="323232"/>
-                </a:solidFill>
-                <a:latin typeface="Nunito"/>
-                <a:ea typeface="Nunito"/>
-                <a:cs typeface="Nunito"/>
-                <a:sym typeface="Nunito"/>
-              </a:rPr>
-              <a:t> or the folder (that you saw when you </a:t>
+              <a:t>: "change directory" i.e. go to the directory or the folder (that you saw when you </a:t>
             </a:r>
             <a:r>
               <a:rPr lang="zh-CN" sz="6500">
@@ -20692,7 +20692,31 @@
                 <a:cs typeface="Nunito"/>
                 <a:sym typeface="Nunito"/>
               </a:rPr>
-              <a:t> data type</a:t>
+              <a:t> data type (e.g. </a:t>
+            </a:r>
+            <a:r>
+              <a:rPr b="1" lang="zh-CN" sz="6500">
+                <a:solidFill>
+                  <a:schemeClr val="dk1"/>
+                </a:solidFill>
+                <a:latin typeface="Consolas"/>
+                <a:ea typeface="Consolas"/>
+                <a:cs typeface="Consolas"/>
+                <a:sym typeface="Consolas"/>
+              </a:rPr>
+              <a:t>int</a:t>
+            </a:r>
+            <a:r>
+              <a:rPr b="1" lang="zh-CN" sz="6500">
+                <a:solidFill>
+                  <a:schemeClr val="dk1"/>
+                </a:solidFill>
+                <a:latin typeface="Nunito"/>
+                <a:ea typeface="Nunito"/>
+                <a:cs typeface="Nunito"/>
+                <a:sym typeface="Nunito"/>
+              </a:rPr>
+              <a:t>)</a:t>
             </a:r>
             <a:r>
               <a:rPr lang="zh-CN" sz="6500">
@@ -20911,7 +20935,31 @@
                 <a:cs typeface="Nunito"/>
                 <a:sym typeface="Nunito"/>
               </a:rPr>
-              <a:t> variable name</a:t>
+              <a:t> variable name (e.g. </a:t>
+            </a:r>
+            <a:r>
+              <a:rPr b="1" lang="zh-CN" sz="6500">
+                <a:solidFill>
+                  <a:schemeClr val="dk1"/>
+                </a:solidFill>
+                <a:latin typeface="Consolas"/>
+                <a:ea typeface="Consolas"/>
+                <a:cs typeface="Consolas"/>
+                <a:sym typeface="Consolas"/>
+              </a:rPr>
+              <a:t>i</a:t>
+            </a:r>
+            <a:r>
+              <a:rPr b="1" lang="zh-CN" sz="6500">
+                <a:solidFill>
+                  <a:schemeClr val="dk1"/>
+                </a:solidFill>
+                <a:latin typeface="Nunito"/>
+                <a:ea typeface="Nunito"/>
+                <a:cs typeface="Nunito"/>
+                <a:sym typeface="Nunito"/>
+              </a:rPr>
+              <a:t>)</a:t>
             </a:r>
             <a:r>
               <a:rPr lang="zh-CN" sz="6500">
@@ -20962,7 +21010,31 @@
                 <a:cs typeface="Nunito"/>
                 <a:sym typeface="Nunito"/>
               </a:rPr>
-              <a:t> value</a:t>
+              <a:t> value (e.g. </a:t>
+            </a:r>
+            <a:r>
+              <a:rPr b="1" lang="zh-CN" sz="6500">
+                <a:solidFill>
+                  <a:schemeClr val="dk1"/>
+                </a:solidFill>
+                <a:latin typeface="Consolas"/>
+                <a:ea typeface="Consolas"/>
+                <a:cs typeface="Consolas"/>
+                <a:sym typeface="Consolas"/>
+              </a:rPr>
+              <a:t>0</a:t>
+            </a:r>
+            <a:r>
+              <a:rPr b="1" lang="zh-CN" sz="6500">
+                <a:solidFill>
+                  <a:schemeClr val="dk1"/>
+                </a:solidFill>
+                <a:latin typeface="Nunito"/>
+                <a:ea typeface="Nunito"/>
+                <a:cs typeface="Nunito"/>
+                <a:sym typeface="Nunito"/>
+              </a:rPr>
+              <a:t>)</a:t>
             </a:r>
             <a:r>
               <a:rPr lang="zh-CN" sz="6500">
@@ -20974,31 +21046,7 @@
                 <a:cs typeface="Nunito"/>
                 <a:sym typeface="Nunito"/>
               </a:rPr>
-              <a:t>; a variable is "</a:t>
-            </a:r>
-            <a:r>
-              <a:rPr b="1" lang="zh-CN" sz="6500">
-                <a:solidFill>
-                  <a:schemeClr val="dk1"/>
-                </a:solidFill>
-                <a:latin typeface="Nunito"/>
-                <a:ea typeface="Nunito"/>
-                <a:cs typeface="Nunito"/>
-                <a:sym typeface="Nunito"/>
-              </a:rPr>
-              <a:t>passed</a:t>
-            </a:r>
-            <a:r>
-              <a:rPr lang="zh-CN" sz="6500">
-                <a:solidFill>
-                  <a:schemeClr val="dk1"/>
-                </a:solidFill>
-                <a:latin typeface="Nunito"/>
-                <a:ea typeface="Nunito"/>
-                <a:cs typeface="Nunito"/>
-                <a:sym typeface="Nunito"/>
-              </a:rPr>
-              <a:t>" as its value by default i.e. the variable name == its value.</a:t>
+              <a:t>; the thing that is getting stored in the allocated space in your memory.</a:t>
             </a:r>
             <a:endParaRPr sz="6500">
               <a:solidFill>
@@ -22721,7 +22769,31 @@
                 <a:cs typeface="Nunito"/>
                 <a:sym typeface="Nunito"/>
               </a:rPr>
-              <a:t> variable name</a:t>
+              <a:t> variable name (e.g.</a:t>
+            </a:r>
+            <a:r>
+              <a:rPr b="1" lang="zh-CN" sz="6500">
+                <a:solidFill>
+                  <a:schemeClr val="dk1"/>
+                </a:solidFill>
+                <a:latin typeface="Consolas"/>
+                <a:ea typeface="Consolas"/>
+                <a:cs typeface="Consolas"/>
+                <a:sym typeface="Consolas"/>
+              </a:rPr>
+              <a:t>i</a:t>
+            </a:r>
+            <a:r>
+              <a:rPr b="1" lang="zh-CN" sz="6500">
+                <a:solidFill>
+                  <a:schemeClr val="dk1"/>
+                </a:solidFill>
+                <a:latin typeface="Nunito"/>
+                <a:ea typeface="Nunito"/>
+                <a:cs typeface="Nunito"/>
+                <a:sym typeface="Nunito"/>
+              </a:rPr>
+              <a:t>)</a:t>
             </a:r>
             <a:r>
               <a:rPr lang="zh-CN" sz="6500">
@@ -22784,7 +22856,43 @@
                 <a:cs typeface="Nunito"/>
                 <a:sym typeface="Nunito"/>
               </a:rPr>
-              <a:t>e</a:t>
+              <a:t>e (e.g. </a:t>
+            </a:r>
+            <a:r>
+              <a:rPr b="1" lang="zh-CN" sz="6500">
+                <a:solidFill>
+                  <a:srgbClr val="212121"/>
+                </a:solidFill>
+                <a:latin typeface="Consolas"/>
+                <a:ea typeface="Consolas"/>
+                <a:cs typeface="Consolas"/>
+                <a:sym typeface="Consolas"/>
+              </a:rPr>
+              <a:t>0</a:t>
+            </a:r>
+            <a:r>
+              <a:rPr b="1" lang="zh-CN" sz="6500">
+                <a:solidFill>
+                  <a:srgbClr val="212121"/>
+                </a:solidFill>
+                <a:latin typeface="Nunito"/>
+                <a:ea typeface="Nunito"/>
+                <a:cs typeface="Nunito"/>
+                <a:sym typeface="Nunito"/>
+              </a:rPr>
+              <a:t>)</a:t>
+            </a:r>
+            <a:r>
+              <a:rPr lang="zh-CN" sz="6500">
+                <a:solidFill>
+                  <a:srgbClr val="212121"/>
+                </a:solidFill>
+                <a:latin typeface="Nunito"/>
+                <a:ea typeface="Nunito"/>
+                <a:cs typeface="Nunito"/>
+                <a:sym typeface="Nunito"/>
+              </a:rPr>
+              <a:t>.</a:t>
             </a:r>
             <a:endParaRPr sz="6500">
               <a:solidFill>
@@ -24027,7 +24135,7 @@
             <a:tbl>
               <a:tblPr>
                 <a:noFill/>
-                <a:tableStyleId>{D9E01334-9D76-4B6C-826E-3AE3E1ED3146}</a:tableStyleId>
+                <a:tableStyleId>{381F1ECB-D2E5-4744-95F0-0F1D8B52733B}</a:tableStyleId>
               </a:tblPr>
               <a:tblGrid>
                 <a:gridCol w="5598750"/>
@@ -28117,7 +28225,7 @@
                 <a:cs typeface="Nunito"/>
                 <a:sym typeface="Nunito"/>
               </a:rPr>
-              <a:t>help manipulate numerics:</a:t>
+              <a:t>manipulate numerics:</a:t>
             </a:r>
             <a:endParaRPr sz="6500">
               <a:solidFill>
@@ -29635,7 +29743,7 @@
                 <a:cs typeface="Nunito"/>
                 <a:sym typeface="Nunito"/>
               </a:rPr>
-              <a:t>help manipulate numerics:</a:t>
+              <a:t>manipulate numerics:</a:t>
             </a:r>
             <a:endParaRPr sz="6500">
               <a:solidFill>
@@ -30074,30 +30182,6 @@
               </a:rPr>
               <a:t>i+=1;</a:t>
             </a:r>
-            <a:r>
-              <a:rPr lang="zh-CN" sz="6500">
-                <a:solidFill>
-                  <a:srgbClr val="323232"/>
-                </a:solidFill>
-                <a:latin typeface="Nunito"/>
-                <a:ea typeface="Nunito"/>
-                <a:cs typeface="Nunito"/>
-                <a:sym typeface="Nunito"/>
-              </a:rPr>
-              <a:t> is the same as </a:t>
-            </a:r>
-            <a:r>
-              <a:rPr lang="zh-CN" sz="6500">
-                <a:solidFill>
-                  <a:srgbClr val="A6192E"/>
-                </a:solidFill>
-                <a:latin typeface="Courier New"/>
-                <a:ea typeface="Courier New"/>
-                <a:cs typeface="Courier New"/>
-                <a:sym typeface="Courier New"/>
-              </a:rPr>
-              <a:t>i++;</a:t>
-            </a:r>
             <a:endParaRPr sz="6500">
               <a:solidFill>
                 <a:srgbClr val="323232"/>
@@ -30467,7 +30551,7 @@
                 <a:cs typeface="Nunito"/>
                 <a:sym typeface="Nunito"/>
               </a:rPr>
-              <a:t>: indentation is super important in Python, it does not use braces!</a:t>
+              <a:t>: indentation is super important in Python, because it does not use braces!</a:t>
             </a:r>
             <a:endParaRPr sz="6500">
               <a:solidFill>
@@ -31003,7 +31087,7 @@
         </p:nvSpPr>
         <p:spPr>
           <a:xfrm>
-            <a:off x="4429425" y="30480000"/>
+            <a:off x="4429425" y="30169088"/>
             <a:ext cx="17830800" cy="7322700"/>
           </a:xfrm>
           <a:prstGeom prst="roundRect">
@@ -31477,7 +31561,7 @@
             <a:tbl>
               <a:tblPr>
                 <a:noFill/>
-                <a:tableStyleId>{D9E01334-9D76-4B6C-826E-3AE3E1ED3146}</a:tableStyleId>
+                <a:tableStyleId>{381F1ECB-D2E5-4744-95F0-0F1D8B52733B}</a:tableStyleId>
               </a:tblPr>
               <a:tblGrid>
                 <a:gridCol w="9516700"/>
@@ -32631,7 +32715,7 @@
         </p:nvSpPr>
         <p:spPr>
           <a:xfrm>
-            <a:off x="24983925" y="32081175"/>
+            <a:off x="24983850" y="30936788"/>
             <a:ext cx="17830800" cy="6555000"/>
           </a:xfrm>
           <a:prstGeom prst="roundRect">
@@ -33136,7 +33220,7 @@
             <a:tbl>
               <a:tblPr>
                 <a:noFill/>
-                <a:tableStyleId>{D9E01334-9D76-4B6C-826E-3AE3E1ED3146}</a:tableStyleId>
+                <a:tableStyleId>{381F1ECB-D2E5-4744-95F0-0F1D8B52733B}</a:tableStyleId>
               </a:tblPr>
               <a:tblGrid>
                 <a:gridCol w="9516700"/>
@@ -39619,8 +39703,8 @@
         </p:nvSpPr>
         <p:spPr>
           <a:xfrm>
-            <a:off x="11887200" y="38770425"/>
-            <a:ext cx="10799400" cy="3444300"/>
+            <a:off x="4429425" y="38770425"/>
+            <a:ext cx="18257100" cy="3444300"/>
           </a:xfrm>
           <a:prstGeom prst="roundRect">
             <a:avLst>
@@ -41403,7 +41487,7 @@
         <p:spPr>
           <a:xfrm>
             <a:off x="24983925" y="47129200"/>
-            <a:ext cx="17830800" cy="5293200"/>
+            <a:ext cx="17830800" cy="9486000"/>
           </a:xfrm>
           <a:prstGeom prst="roundRect">
             <a:avLst>
@@ -41436,6 +41520,53 @@
               <a:buNone/>
             </a:pPr>
             <a:r>
+              <a:rPr i="1" lang="zh-CN" sz="5500">
+                <a:solidFill>
+                  <a:srgbClr val="BC9458"/>
+                </a:solidFill>
+                <a:latin typeface="Consolas"/>
+                <a:ea typeface="Consolas"/>
+                <a:cs typeface="Consolas"/>
+                <a:sym typeface="Consolas"/>
+              </a:rPr>
+              <a:t>#</a:t>
+            </a:r>
+            <a:r>
+              <a:rPr i="1" lang="zh-CN" sz="5500">
+                <a:solidFill>
+                  <a:srgbClr val="BC9458"/>
+                </a:solidFill>
+                <a:latin typeface="Consolas"/>
+                <a:ea typeface="Consolas"/>
+                <a:cs typeface="Consolas"/>
+                <a:sym typeface="Consolas"/>
+              </a:rPr>
+              <a:t> function definition</a:t>
+            </a:r>
+            <a:endParaRPr i="1" sz="5500">
+              <a:solidFill>
+                <a:srgbClr val="BC9458"/>
+              </a:solidFill>
+              <a:latin typeface="Consolas"/>
+              <a:ea typeface="Consolas"/>
+              <a:cs typeface="Consolas"/>
+              <a:sym typeface="Consolas"/>
+            </a:endParaRPr>
+          </a:p>
+          <a:p>
+            <a:pPr indent="0" lvl="0" marL="719999" rtl="0" algn="l">
+              <a:lnSpc>
+                <a:spcPct val="100000"/>
+              </a:lnSpc>
+              <a:spcBef>
+                <a:spcPts val="0"/>
+              </a:spcBef>
+              <a:spcAft>
+                <a:spcPts val="0"/>
+              </a:spcAft>
+              <a:buNone/>
+            </a:pPr>
+            <a:r>
               <a:rPr lang="zh-CN" sz="5500">
                 <a:solidFill>
                   <a:srgbClr val="FFFFFF"/>
@@ -41813,6 +41944,104 @@
               <a:buNone/>
             </a:pPr>
             <a:r>
+              <a:t/>
+            </a:r>
+            <a:endParaRPr sz="5500">
+              <a:solidFill>
+                <a:srgbClr val="FFFFFF"/>
+              </a:solidFill>
+              <a:highlight>
+                <a:srgbClr val="323232"/>
+              </a:highlight>
+              <a:latin typeface="Courier New"/>
+              <a:ea typeface="Courier New"/>
+              <a:cs typeface="Courier New"/>
+              <a:sym typeface="Courier New"/>
+            </a:endParaRPr>
+          </a:p>
+          <a:p>
+            <a:pPr indent="0" lvl="0" marL="719999" rtl="0" algn="l">
+              <a:lnSpc>
+                <a:spcPct val="100000"/>
+              </a:lnSpc>
+              <a:spcBef>
+                <a:spcPts val="0"/>
+              </a:spcBef>
+              <a:spcAft>
+                <a:spcPts val="0"/>
+              </a:spcAft>
+              <a:buNone/>
+            </a:pPr>
+            <a:r>
+              <a:t/>
+            </a:r>
+            <a:endParaRPr sz="5500">
+              <a:solidFill>
+                <a:srgbClr val="FFFFFF"/>
+              </a:solidFill>
+              <a:highlight>
+                <a:srgbClr val="323232"/>
+              </a:highlight>
+              <a:latin typeface="Courier New"/>
+              <a:ea typeface="Courier New"/>
+              <a:cs typeface="Courier New"/>
+              <a:sym typeface="Courier New"/>
+            </a:endParaRPr>
+          </a:p>
+          <a:p>
+            <a:pPr indent="0" lvl="0" marL="719999" rtl="0" algn="l">
+              <a:spcBef>
+                <a:spcPts val="0"/>
+              </a:spcBef>
+              <a:spcAft>
+                <a:spcPts val="0"/>
+              </a:spcAft>
+              <a:buClr>
+                <a:schemeClr val="dk1"/>
+              </a:buClr>
+              <a:buSzPts val="1100"/>
+              <a:buFont typeface="Arial"/>
+              <a:buNone/>
+            </a:pPr>
+            <a:r>
+              <a:rPr i="1" lang="zh-CN" sz="5500">
+                <a:solidFill>
+                  <a:srgbClr val="BC9458"/>
+                </a:solidFill>
+                <a:latin typeface="Consolas"/>
+                <a:ea typeface="Consolas"/>
+                <a:cs typeface="Consolas"/>
+                <a:sym typeface="Consolas"/>
+              </a:rPr>
+              <a:t># calling (using) the function</a:t>
+            </a:r>
+            <a:endParaRPr sz="5500">
+              <a:solidFill>
+                <a:srgbClr val="FFFFFF"/>
+              </a:solidFill>
+              <a:highlight>
+                <a:srgbClr val="323232"/>
+              </a:highlight>
+              <a:latin typeface="Courier New"/>
+              <a:ea typeface="Courier New"/>
+              <a:cs typeface="Courier New"/>
+              <a:sym typeface="Courier New"/>
+            </a:endParaRPr>
+          </a:p>
+          <a:p>
+            <a:pPr indent="0" lvl="0" marL="719999" rtl="0" algn="l">
+              <a:lnSpc>
+                <a:spcPct val="100000"/>
+              </a:lnSpc>
+              <a:spcBef>
+                <a:spcPts val="0"/>
+              </a:spcBef>
+              <a:spcAft>
+                <a:spcPts val="0"/>
+              </a:spcAft>
+              <a:buNone/>
+            </a:pPr>
+            <a:r>
               <a:rPr lang="zh-CN" sz="5500">
                 <a:solidFill>
                   <a:srgbClr val="FFFFFF"/>
@@ -41917,10 +42146,42 @@
               </a:rPr>
               <a:t>)</a:t>
             </a:r>
-            <a:endParaRPr i="1" sz="5500">
-              <a:solidFill>
-                <a:srgbClr val="BC9458"/>
-              </a:solidFill>
+            <a:endParaRPr sz="5500">
+              <a:solidFill>
+                <a:srgbClr val="FFFFFF"/>
+              </a:solidFill>
+              <a:highlight>
+                <a:srgbClr val="323232"/>
+              </a:highlight>
+              <a:latin typeface="Courier New"/>
+              <a:ea typeface="Courier New"/>
+              <a:cs typeface="Courier New"/>
+              <a:sym typeface="Courier New"/>
+            </a:endParaRPr>
+          </a:p>
+          <a:p>
+            <a:pPr indent="0" lvl="0" marL="719999" rtl="0" algn="l">
+              <a:lnSpc>
+                <a:spcPct val="100000"/>
+              </a:lnSpc>
+              <a:spcBef>
+                <a:spcPts val="0"/>
+              </a:spcBef>
+              <a:spcAft>
+                <a:spcPts val="0"/>
+              </a:spcAft>
+              <a:buNone/>
+            </a:pPr>
+            <a:r>
+              <a:t/>
+            </a:r>
+            <a:endParaRPr sz="5500">
+              <a:solidFill>
+                <a:srgbClr val="FFFFFF"/>
+              </a:solidFill>
+              <a:highlight>
+                <a:srgbClr val="323232"/>
+              </a:highlight>
               <a:latin typeface="Courier New"/>
               <a:ea typeface="Courier New"/>
               <a:cs typeface="Courier New"/>
@@ -41998,7 +42259,7 @@
         <p:spPr>
           <a:xfrm>
             <a:off x="4429425" y="14660825"/>
-            <a:ext cx="6829800" cy="27553800"/>
+            <a:ext cx="6829800" cy="23804700"/>
           </a:xfrm>
           <a:prstGeom prst="roundRect">
             <a:avLst>
@@ -45078,6 +45339,285 @@
 </file>
 
 <file path=ppt/theme/theme1.xml><?xml version="1.0" encoding="utf-8"?>
+<a:theme xmlns:a="http://schemas.openxmlformats.org/drawingml/2006/main" xmlns:r="http://schemas.openxmlformats.org/officeDocument/2006/relationships">
+  <a:themeElements>
+    <a:clrScheme name="Default">
+      <a:dk1>
+        <a:srgbClr val="000000"/>
+      </a:dk1>
+      <a:lt1>
+        <a:srgbClr val="FFFFFF"/>
+      </a:lt1>
+      <a:dk2>
+        <a:srgbClr val="158158"/>
+      </a:dk2>
+      <a:lt2>
+        <a:srgbClr val="F3F3F3"/>
+      </a:lt2>
+      <a:accent1>
+        <a:srgbClr val="058DC7"/>
+      </a:accent1>
+      <a:accent2>
+        <a:srgbClr val="50B432"/>
+      </a:accent2>
+      <a:accent3>
+        <a:srgbClr val="ED561B"/>
+      </a:accent3>
+      <a:accent4>
+        <a:srgbClr val="EDEF00"/>
+      </a:accent4>
+      <a:accent5>
+        <a:srgbClr val="24CBE5"/>
+      </a:accent5>
+      <a:accent6>
+        <a:srgbClr val="64E572"/>
+      </a:accent6>
+      <a:hlink>
+        <a:srgbClr val="2200CC"/>
+      </a:hlink>
+      <a:folHlink>
+        <a:srgbClr val="551A8B"/>
+      </a:folHlink>
+    </a:clrScheme>
+    <a:fontScheme name="Office">
+      <a:majorFont>
+        <a:latin typeface="Arial"/>
+        <a:ea typeface=""/>
+        <a:cs typeface=""/>
+        <a:font script="Jpan" typeface="ＭＳ Ｐゴシック"/>
+        <a:font script="Hang" typeface="맑은 고딕"/>
+        <a:font script="Hans" typeface="宋体"/>
+        <a:font script="Hant" typeface="新細明體"/>
+        <a:font script="Arab" typeface="Times New Roman"/>
+        <a:font script="Hebr" typeface="Times New Roman"/>
+        <a:font script="Thai" typeface="Angsana New"/>
+        <a:font script="Ethi" typeface="Nyala"/>
+        <a:font script="Beng" typeface="Vrinda"/>
+        <a:font script="Gujr" typeface="Shruti"/>
+        <a:font script="Khmr" typeface="MoolBoran"/>
+        <a:font script="Knda" typeface="Tunga"/>
+        <a:font script="Guru" typeface="Raavi"/>
+        <a:font script="Cans" typeface="Euphemia"/>
+        <a:font script="Cher" typeface="Plantagenet Cherokee"/>
+        <a:font script="Yiii" typeface="Microsoft Yi Baiti"/>
+        <a:font script="Tibt" typeface="Microsoft Himalaya"/>
+        <a:font script="Thaa" typeface="MV Boli"/>
+        <a:font script="Deva" typeface="Mangal"/>
+        <a:font script="Telu" typeface="Gautami"/>
+        <a:font script="Taml" typeface="Latha"/>
+        <a:font script="Syrc" typeface="Estrangelo Edessa"/>
+        <a:font script="Orya" typeface="Kalinga"/>
+        <a:font script="Mlym" typeface="Kartika"/>
+        <a:font script="Laoo" typeface="DokChampa"/>
+        <a:font script="Sinh" typeface="Iskoola Pota"/>
+        <a:font script="Mong" typeface="Mongolian Baiti"/>
+        <a:font script="Viet" typeface="Times New Roman"/>
+        <a:font script="Uigh" typeface="Microsoft Uighur"/>
+        <a:font script="Geor" typeface="Sylfaen"/>
+      </a:majorFont>
+      <a:minorFont>
+        <a:latin typeface="Arial"/>
+        <a:ea typeface=""/>
+        <a:cs typeface=""/>
+        <a:font script="Jpan" typeface="ＭＳ Ｐゴシック"/>
+        <a:font script="Hang" typeface="맑은 고딕"/>
+        <a:font script="Hans" typeface="宋体"/>
+        <a:font script="Hant" typeface="新細明體"/>
+        <a:font script="Arab" typeface="Arial"/>
+        <a:font script="Hebr" typeface="Arial"/>
+        <a:font script="Thai" typeface="Cordia New"/>
+        <a:font script="Ethi" typeface="Nyala"/>
+        <a:font script="Beng" typeface="Vrinda"/>
+        <a:font script="Gujr" typeface="Shruti"/>
+        <a:font script="Khmr" typeface="DaunPenh"/>
+        <a:font script="Knda" typeface="Tunga"/>
+        <a:font script="Guru" typeface="Raavi"/>
+        <a:font script="Cans" typeface="Euphemia"/>
+        <a:font script="Cher" typeface="Plantagenet Cherokee"/>
+        <a:font script="Yiii" typeface="Microsoft Yi Baiti"/>
+        <a:font script="Tibt" typeface="Microsoft Himalaya"/>
+        <a:font script="Thaa" typeface="MV Boli"/>
+        <a:font script="Deva" typeface="Mangal"/>
+        <a:font script="Telu" typeface="Gautami"/>
+        <a:font script="Taml" typeface="Latha"/>
+        <a:font script="Syrc" typeface="Estrangelo Edessa"/>
+        <a:font script="Orya" typeface="Kalinga"/>
+        <a:font script="Mlym" typeface="Kartika"/>
+        <a:font script="Laoo" typeface="DokChampa"/>
+        <a:font script="Sinh" typeface="Iskoola Pota"/>
+        <a:font script="Mong" typeface="Mongolian Baiti"/>
+        <a:font script="Viet" typeface="Arial"/>
+        <a:font script="Uigh" typeface="Microsoft Uighur"/>
+        <a:font script="Geor" typeface="Sylfaen"/>
+      </a:minorFont>
+    </a:fontScheme>
+    <a:fmtScheme name="Office">
+      <a:fillStyleLst>
+        <a:solidFill>
+          <a:schemeClr val="phClr"/>
+        </a:solidFill>
+        <a:gradFill rotWithShape="1">
+          <a:gsLst>
+            <a:gs pos="0">
+              <a:schemeClr val="phClr">
+                <a:tint val="50000"/>
+                <a:satMod val="300000"/>
+              </a:schemeClr>
+            </a:gs>
+            <a:gs pos="35000">
+              <a:schemeClr val="phClr">
+                <a:tint val="37000"/>
+                <a:satMod val="300000"/>
+              </a:schemeClr>
+            </a:gs>
+            <a:gs pos="100000">
+              <a:schemeClr val="phClr">
+                <a:tint val="15000"/>
+                <a:satMod val="350000"/>
+              </a:schemeClr>
+            </a:gs>
+          </a:gsLst>
+          <a:lin ang="16200000" scaled="1"/>
+        </a:gradFill>
+        <a:gradFill rotWithShape="1">
+          <a:gsLst>
+            <a:gs pos="0">
+              <a:schemeClr val="phClr">
+                <a:tint val="100000"/>
+                <a:shade val="100000"/>
+                <a:satMod val="130000"/>
+              </a:schemeClr>
+            </a:gs>
+            <a:gs pos="100000">
+              <a:schemeClr val="phClr">
+                <a:tint val="50000"/>
+                <a:shade val="100000"/>
+                <a:satMod val="350000"/>
+              </a:schemeClr>
+            </a:gs>
+          </a:gsLst>
+          <a:lin ang="16200000" scaled="0"/>
+        </a:gradFill>
+      </a:fillStyleLst>
+      <a:lnStyleLst>
+        <a:ln w="9525" cap="flat" cmpd="sng" algn="ctr">
+          <a:solidFill>
+            <a:schemeClr val="phClr">
+              <a:shade val="95000"/>
+              <a:satMod val="105000"/>
+            </a:schemeClr>
+          </a:solidFill>
+          <a:prstDash val="solid"/>
+        </a:ln>
+        <a:ln w="25400" cap="flat" cmpd="sng" algn="ctr">
+          <a:solidFill>
+            <a:schemeClr val="phClr"/>
+          </a:solidFill>
+          <a:prstDash val="solid"/>
+        </a:ln>
+        <a:ln w="38100" cap="flat" cmpd="sng" algn="ctr">
+          <a:solidFill>
+            <a:schemeClr val="phClr"/>
+          </a:solidFill>
+          <a:prstDash val="solid"/>
+        </a:ln>
+      </a:lnStyleLst>
+      <a:effectStyleLst>
+        <a:effectStyle>
+          <a:effectLst>
+            <a:outerShdw blurRad="40000" dist="20000" dir="5400000" rotWithShape="0">
+              <a:srgbClr val="000000">
+                <a:alpha val="38000"/>
+              </a:srgbClr>
+            </a:outerShdw>
+          </a:effectLst>
+        </a:effectStyle>
+        <a:effectStyle>
+          <a:effectLst>
+            <a:outerShdw blurRad="40000" dist="23000" dir="5400000" rotWithShape="0">
+              <a:srgbClr val="000000">
+                <a:alpha val="35000"/>
+              </a:srgbClr>
+            </a:outerShdw>
+          </a:effectLst>
+        </a:effectStyle>
+        <a:effectStyle>
+          <a:effectLst>
+            <a:outerShdw blurRad="40000" dist="23000" dir="5400000" rotWithShape="0">
+              <a:srgbClr val="000000">
+                <a:alpha val="35000"/>
+              </a:srgbClr>
+            </a:outerShdw>
+          </a:effectLst>
+          <a:scene3d>
+            <a:camera prst="orthographicFront">
+              <a:rot lat="0" lon="0" rev="0"/>
+            </a:camera>
+            <a:lightRig rig="threePt" dir="t">
+              <a:rot lat="0" lon="0" rev="1200000"/>
+            </a:lightRig>
+          </a:scene3d>
+          <a:sp3d>
+            <a:bevelT w="63500" h="25400"/>
+          </a:sp3d>
+        </a:effectStyle>
+      </a:effectStyleLst>
+      <a:bgFillStyleLst>
+        <a:solidFill>
+          <a:schemeClr val="phClr"/>
+        </a:solidFill>
+        <a:gradFill rotWithShape="1">
+          <a:gsLst>
+            <a:gs pos="0">
+              <a:schemeClr val="phClr">
+                <a:tint val="40000"/>
+                <a:satMod val="350000"/>
+              </a:schemeClr>
+            </a:gs>
+            <a:gs pos="40000">
+              <a:schemeClr val="phClr">
+                <a:tint val="45000"/>
+                <a:shade val="99000"/>
+                <a:satMod val="350000"/>
+              </a:schemeClr>
+            </a:gs>
+            <a:gs pos="100000">
+              <a:schemeClr val="phClr">
+                <a:shade val="20000"/>
+                <a:satMod val="255000"/>
+              </a:schemeClr>
+            </a:gs>
+          </a:gsLst>
+          <a:path path="circle">
+            <a:fillToRect l="50000" t="-80000" r="50000" b="180000"/>
+          </a:path>
+        </a:gradFill>
+        <a:gradFill rotWithShape="1">
+          <a:gsLst>
+            <a:gs pos="0">
+              <a:schemeClr val="phClr">
+                <a:tint val="80000"/>
+                <a:satMod val="300000"/>
+              </a:schemeClr>
+            </a:gs>
+            <a:gs pos="100000">
+              <a:schemeClr val="phClr">
+                <a:shade val="30000"/>
+                <a:satMod val="200000"/>
+              </a:schemeClr>
+            </a:gs>
+          </a:gsLst>
+          <a:path path="circle">
+            <a:fillToRect l="50000" t="50000" r="50000" b="50000"/>
+          </a:path>
+        </a:gradFill>
+      </a:bgFillStyleLst>
+    </a:fmtScheme>
+  </a:themeElements>
+</a:theme>
+</file>
+
+<file path=ppt/theme/theme2.xml><?xml version="1.0" encoding="utf-8"?>
 <a:theme xmlns:a="http://schemas.openxmlformats.org/drawingml/2006/main" xmlns:r="http://schemas.openxmlformats.org/officeDocument/2006/relationships" name="Simple Light">
   <a:themeElements>
     <a:clrScheme name="Simple Light">
@@ -45354,283 +45894,4 @@
     </a:fmtScheme>
   </a:themeElements>
 </a:theme>
-</file>
-
-<file path=ppt/theme/theme2.xml><?xml version="1.0" encoding="utf-8"?>
-<a:theme xmlns:a="http://schemas.openxmlformats.org/drawingml/2006/main" xmlns:r="http://schemas.openxmlformats.org/officeDocument/2006/relationships">
-  <a:themeElements>
-    <a:clrScheme name="Default">
-      <a:dk1>
-        <a:srgbClr val="000000"/>
-      </a:dk1>
-      <a:lt1>
-        <a:srgbClr val="FFFFFF"/>
-      </a:lt1>
-      <a:dk2>
-        <a:srgbClr val="158158"/>
-      </a:dk2>
-      <a:lt2>
-        <a:srgbClr val="F3F3F3"/>
-      </a:lt2>
-      <a:accent1>
-        <a:srgbClr val="058DC7"/>
-      </a:accent1>
-      <a:accent2>
-        <a:srgbClr val="50B432"/>
-      </a:accent2>
-      <a:accent3>
-        <a:srgbClr val="ED561B"/>
-      </a:accent3>
-      <a:accent4>
-        <a:srgbClr val="EDEF00"/>
-      </a:accent4>
-      <a:accent5>
-        <a:srgbClr val="24CBE5"/>
-      </a:accent5>
-      <a:accent6>
-        <a:srgbClr val="64E572"/>
-      </a:accent6>
-      <a:hlink>
-        <a:srgbClr val="2200CC"/>
-      </a:hlink>
-      <a:folHlink>
-        <a:srgbClr val="551A8B"/>
-      </a:folHlink>
-    </a:clrScheme>
-    <a:fontScheme name="Office">
-      <a:majorFont>
-        <a:latin typeface="Arial"/>
-        <a:ea typeface=""/>
-        <a:cs typeface=""/>
-        <a:font script="Jpan" typeface="ＭＳ Ｐゴシック"/>
-        <a:font script="Hang" typeface="맑은 고딕"/>
-        <a:font script="Hans" typeface="宋体"/>
-        <a:font script="Hant" typeface="新細明體"/>
-        <a:font script="Arab" typeface="Times New Roman"/>
-        <a:font script="Hebr" typeface="Times New Roman"/>
-        <a:font script="Thai" typeface="Angsana New"/>
-        <a:font script="Ethi" typeface="Nyala"/>
-        <a:font script="Beng" typeface="Vrinda"/>
-        <a:font script="Gujr" typeface="Shruti"/>
-        <a:font script="Khmr" typeface="MoolBoran"/>
-        <a:font script="Knda" typeface="Tunga"/>
-        <a:font script="Guru" typeface="Raavi"/>
-        <a:font script="Cans" typeface="Euphemia"/>
-        <a:font script="Cher" typeface="Plantagenet Cherokee"/>
-        <a:font script="Yiii" typeface="Microsoft Yi Baiti"/>
-        <a:font script="Tibt" typeface="Microsoft Himalaya"/>
-        <a:font script="Thaa" typeface="MV Boli"/>
-        <a:font script="Deva" typeface="Mangal"/>
-        <a:font script="Telu" typeface="Gautami"/>
-        <a:font script="Taml" typeface="Latha"/>
-        <a:font script="Syrc" typeface="Estrangelo Edessa"/>
-        <a:font script="Orya" typeface="Kalinga"/>
-        <a:font script="Mlym" typeface="Kartika"/>
-        <a:font script="Laoo" typeface="DokChampa"/>
-        <a:font script="Sinh" typeface="Iskoola Pota"/>
-        <a:font script="Mong" typeface="Mongolian Baiti"/>
-        <a:font script="Viet" typeface="Times New Roman"/>
-        <a:font script="Uigh" typeface="Microsoft Uighur"/>
-        <a:font script="Geor" typeface="Sylfaen"/>
-      </a:majorFont>
-      <a:minorFont>
-        <a:latin typeface="Arial"/>
-        <a:ea typeface=""/>
-        <a:cs typeface=""/>
-        <a:font script="Jpan" typeface="ＭＳ Ｐゴシック"/>
-        <a:font script="Hang" typeface="맑은 고딕"/>
-        <a:font script="Hans" typeface="宋体"/>
-        <a:font script="Hant" typeface="新細明體"/>
-        <a:font script="Arab" typeface="Arial"/>
-        <a:font script="Hebr" typeface="Arial"/>
-        <a:font script="Thai" typeface="Cordia New"/>
-        <a:font script="Ethi" typeface="Nyala"/>
-        <a:font script="Beng" typeface="Vrinda"/>
-        <a:font script="Gujr" typeface="Shruti"/>
-        <a:font script="Khmr" typeface="DaunPenh"/>
-        <a:font script="Knda" typeface="Tunga"/>
-        <a:font script="Guru" typeface="Raavi"/>
-        <a:font script="Cans" typeface="Euphemia"/>
-        <a:font script="Cher" typeface="Plantagenet Cherokee"/>
-        <a:font script="Yiii" typeface="Microsoft Yi Baiti"/>
-        <a:font script="Tibt" typeface="Microsoft Himalaya"/>
-        <a:font script="Thaa" typeface="MV Boli"/>
-        <a:font script="Deva" typeface="Mangal"/>
-        <a:font script="Telu" typeface="Gautami"/>
-        <a:font script="Taml" typeface="Latha"/>
-        <a:font script="Syrc" typeface="Estrangelo Edessa"/>
-        <a:font script="Orya" typeface="Kalinga"/>
-        <a:font script="Mlym" typeface="Kartika"/>
-        <a:font script="Laoo" typeface="DokChampa"/>
-        <a:font script="Sinh" typeface="Iskoola Pota"/>
-        <a:font script="Mong" typeface="Mongolian Baiti"/>
-        <a:font script="Viet" typeface="Arial"/>
-        <a:font script="Uigh" typeface="Microsoft Uighur"/>
-        <a:font script="Geor" typeface="Sylfaen"/>
-      </a:minorFont>
-    </a:fontScheme>
-    <a:fmtScheme name="Office">
-      <a:fillStyleLst>
-        <a:solidFill>
-          <a:schemeClr val="phClr"/>
-        </a:solidFill>
-        <a:gradFill rotWithShape="1">
-          <a:gsLst>
-            <a:gs pos="0">
-              <a:schemeClr val="phClr">
-                <a:tint val="50000"/>
-                <a:satMod val="300000"/>
-              </a:schemeClr>
-            </a:gs>
-            <a:gs pos="35000">
-              <a:schemeClr val="phClr">
-                <a:tint val="37000"/>
-                <a:satMod val="300000"/>
-              </a:schemeClr>
-            </a:gs>
-            <a:gs pos="100000">
-              <a:schemeClr val="phClr">
-                <a:tint val="15000"/>
-                <a:satMod val="350000"/>
-              </a:schemeClr>
-            </a:gs>
-          </a:gsLst>
-          <a:lin ang="16200000" scaled="1"/>
-        </a:gradFill>
-        <a:gradFill rotWithShape="1">
-          <a:gsLst>
-            <a:gs pos="0">
-              <a:schemeClr val="phClr">
-                <a:tint val="100000"/>
-                <a:shade val="100000"/>
-                <a:satMod val="130000"/>
-              </a:schemeClr>
-            </a:gs>
-            <a:gs pos="100000">
-              <a:schemeClr val="phClr">
-                <a:tint val="50000"/>
-                <a:shade val="100000"/>
-                <a:satMod val="350000"/>
-              </a:schemeClr>
-            </a:gs>
-          </a:gsLst>
-          <a:lin ang="16200000" scaled="0"/>
-        </a:gradFill>
-      </a:fillStyleLst>
-      <a:lnStyleLst>
-        <a:ln w="9525" cap="flat" cmpd="sng" algn="ctr">
-          <a:solidFill>
-            <a:schemeClr val="phClr">
-              <a:shade val="95000"/>
-              <a:satMod val="105000"/>
-            </a:schemeClr>
-          </a:solidFill>
-          <a:prstDash val="solid"/>
-        </a:ln>
-        <a:ln w="25400" cap="flat" cmpd="sng" algn="ctr">
-          <a:solidFill>
-            <a:schemeClr val="phClr"/>
-          </a:solidFill>
-          <a:prstDash val="solid"/>
-        </a:ln>
-        <a:ln w="38100" cap="flat" cmpd="sng" algn="ctr">
-          <a:solidFill>
-            <a:schemeClr val="phClr"/>
-          </a:solidFill>
-          <a:prstDash val="solid"/>
-        </a:ln>
-      </a:lnStyleLst>
-      <a:effectStyleLst>
-        <a:effectStyle>
-          <a:effectLst>
-            <a:outerShdw blurRad="40000" dist="20000" dir="5400000" rotWithShape="0">
-              <a:srgbClr val="000000">
-                <a:alpha val="38000"/>
-              </a:srgbClr>
-            </a:outerShdw>
-          </a:effectLst>
-        </a:effectStyle>
-        <a:effectStyle>
-          <a:effectLst>
-            <a:outerShdw blurRad="40000" dist="23000" dir="5400000" rotWithShape="0">
-              <a:srgbClr val="000000">
-                <a:alpha val="35000"/>
-              </a:srgbClr>
-            </a:outerShdw>
-          </a:effectLst>
-        </a:effectStyle>
-        <a:effectStyle>
-          <a:effectLst>
-            <a:outerShdw blurRad="40000" dist="23000" dir="5400000" rotWithShape="0">
-              <a:srgbClr val="000000">
-                <a:alpha val="35000"/>
-              </a:srgbClr>
-            </a:outerShdw>
-          </a:effectLst>
-          <a:scene3d>
-            <a:camera prst="orthographicFront">
-              <a:rot lat="0" lon="0" rev="0"/>
-            </a:camera>
-            <a:lightRig rig="threePt" dir="t">
-              <a:rot lat="0" lon="0" rev="1200000"/>
-            </a:lightRig>
-          </a:scene3d>
-          <a:sp3d>
-            <a:bevelT w="63500" h="25400"/>
-          </a:sp3d>
-        </a:effectStyle>
-      </a:effectStyleLst>
-      <a:bgFillStyleLst>
-        <a:solidFill>
-          <a:schemeClr val="phClr"/>
-        </a:solidFill>
-        <a:gradFill rotWithShape="1">
-          <a:gsLst>
-            <a:gs pos="0">
-              <a:schemeClr val="phClr">
-                <a:tint val="40000"/>
-                <a:satMod val="350000"/>
-              </a:schemeClr>
-            </a:gs>
-            <a:gs pos="40000">
-              <a:schemeClr val="phClr">
-                <a:tint val="45000"/>
-                <a:shade val="99000"/>
-                <a:satMod val="350000"/>
-              </a:schemeClr>
-            </a:gs>
-            <a:gs pos="100000">
-              <a:schemeClr val="phClr">
-                <a:shade val="20000"/>
-                <a:satMod val="255000"/>
-              </a:schemeClr>
-            </a:gs>
-          </a:gsLst>
-          <a:path path="circle">
-            <a:fillToRect l="50000" t="-80000" r="50000" b="180000"/>
-          </a:path>
-        </a:gradFill>
-        <a:gradFill rotWithShape="1">
-          <a:gsLst>
-            <a:gs pos="0">
-              <a:schemeClr val="phClr">
-                <a:tint val="80000"/>
-                <a:satMod val="300000"/>
-              </a:schemeClr>
-            </a:gs>
-            <a:gs pos="100000">
-              <a:schemeClr val="phClr">
-                <a:shade val="30000"/>
-                <a:satMod val="200000"/>
-              </a:schemeClr>
-            </a:gs>
-          </a:gsLst>
-          <a:path path="circle">
-            <a:fillToRect l="50000" t="50000" r="50000" b="50000"/>
-          </a:path>
-        </a:gradFill>
-      </a:bgFillStyleLst>
-    </a:fmtScheme>
-  </a:themeElements>
-</a:theme>
 </file>
--- a/pdf.pptx
+++ b/pdf.pptx
@@ -7758,8 +7758,8 @@
         </p:nvSpPr>
         <p:spPr>
           <a:xfrm>
-            <a:off x="16603868" y="19739051"/>
-            <a:ext cx="9873600" cy="2367900"/>
+            <a:off x="16603875" y="19739050"/>
+            <a:ext cx="9873600" cy="2598000"/>
           </a:xfrm>
           <a:prstGeom prst="roundRect">
             <a:avLst>
@@ -7938,7 +7938,7 @@
         <p:spPr>
           <a:xfrm>
             <a:off x="15558551" y="19809870"/>
-            <a:ext cx="1045200" cy="1113000"/>
+            <a:ext cx="1045200" cy="1228200"/>
           </a:xfrm>
           <a:prstGeom prst="straightConnector1">
             <a:avLst/>
@@ -8431,7 +8431,7 @@
           </a:xfrm>
           <a:prstGeom prst="bentConnector3">
             <a:avLst>
-              <a:gd fmla="val 70261" name="adj1"/>
+              <a:gd fmla="val -137307" name="adj1"/>
             </a:avLst>
           </a:prstGeom>
           <a:noFill/>
@@ -9383,8 +9383,8 @@
         </p:nvSpPr>
         <p:spPr>
           <a:xfrm>
-            <a:off x="16841499" y="35522848"/>
-            <a:ext cx="13089600" cy="2897400"/>
+            <a:off x="16841500" y="35522850"/>
+            <a:ext cx="13231200" cy="2897400"/>
           </a:xfrm>
           <a:prstGeom prst="rect">
             <a:avLst/>
@@ -12099,7 +12099,7 @@
         </p:nvSpPr>
         <p:spPr>
           <a:xfrm>
-            <a:off x="2750784" y="34535595"/>
+            <a:off x="2750784" y="34764195"/>
             <a:ext cx="11529300" cy="2870100"/>
           </a:xfrm>
           <a:prstGeom prst="roundRect">
@@ -12240,7 +12240,7 @@
         </p:nvSpPr>
         <p:spPr>
           <a:xfrm>
-            <a:off x="2750784" y="38753720"/>
+            <a:off x="2750784" y="38982320"/>
             <a:ext cx="11529300" cy="2591700"/>
           </a:xfrm>
           <a:prstGeom prst="roundRect">
@@ -19468,8 +19468,8 @@
           </p:nvSpPr>
           <p:spPr>
             <a:xfrm>
-              <a:off x="15354075" y="32105775"/>
-              <a:ext cx="17098200" cy="1290600"/>
+              <a:off x="15354092" y="32105780"/>
+              <a:ext cx="17541600" cy="1474500"/>
             </a:xfrm>
             <a:prstGeom prst="roundRect">
               <a:avLst>
@@ -22159,8 +22159,8 @@
           </p:nvCxnSpPr>
           <p:spPr>
             <a:xfrm flipH="1">
-              <a:off x="9295950" y="7469700"/>
-              <a:ext cx="13906800" cy="300"/>
+              <a:off x="9295950" y="7468800"/>
+              <a:ext cx="13965900" cy="1200"/>
             </a:xfrm>
             <a:prstGeom prst="straightConnector1">
               <a:avLst/>
@@ -23928,9 +23928,9 @@
         <p:grpSpPr>
           <a:xfrm>
             <a:off x="16199144" y="2206362"/>
-            <a:ext cx="13730341" cy="2104010"/>
+            <a:ext cx="13730341" cy="2104159"/>
             <a:chOff x="22953311" y="3217797"/>
-            <a:chExt cx="20690689" cy="4253103"/>
+            <a:chExt cx="20690689" cy="4253403"/>
           </a:xfrm>
         </p:grpSpPr>
         <p:sp>
@@ -24033,8 +24033,8 @@
           </p:nvCxnSpPr>
           <p:spPr>
             <a:xfrm flipH="1">
-              <a:off x="23494200" y="7468800"/>
-              <a:ext cx="14500800" cy="2100"/>
+              <a:off x="23337600" y="7468800"/>
+              <a:ext cx="14657400" cy="2400"/>
             </a:xfrm>
             <a:prstGeom prst="straightConnector1">
               <a:avLst/>
@@ -24135,7 +24135,7 @@
             <a:tbl>
               <a:tblPr>
                 <a:noFill/>
-                <a:tableStyleId>{4971B404-599A-4559-87AE-12BD229D4ACA}</a:tableStyleId>
+                <a:tableStyleId>{ECE53D99-3DA3-4D30-A5ED-A5F6B61B6D38}</a:tableStyleId>
               </a:tblPr>
               <a:tblGrid>
                 <a:gridCol w="3839625"/>
@@ -25167,10 +25167,10 @@
                 <a:highlight>
                   <a:srgbClr val="323232"/>
                 </a:highlight>
-                <a:latin typeface="Courier New"/>
-                <a:ea typeface="Courier New"/>
-                <a:cs typeface="Courier New"/>
-                <a:sym typeface="Courier New"/>
+                <a:latin typeface="Consolas"/>
+                <a:ea typeface="Consolas"/>
+                <a:cs typeface="Consolas"/>
+                <a:sym typeface="Consolas"/>
               </a:rPr>
               <a:t>int i </a:t>
             </a:r>
@@ -25182,10 +25182,10 @@
                 <a:highlight>
                   <a:srgbClr val="323232"/>
                 </a:highlight>
-                <a:latin typeface="Courier New"/>
-                <a:ea typeface="Courier New"/>
-                <a:cs typeface="Courier New"/>
-                <a:sym typeface="Courier New"/>
+                <a:latin typeface="Consolas"/>
+                <a:ea typeface="Consolas"/>
+                <a:cs typeface="Consolas"/>
+                <a:sym typeface="Consolas"/>
               </a:rPr>
               <a:t>=</a:t>
             </a:r>
@@ -25197,10 +25197,10 @@
                 <a:highlight>
                   <a:srgbClr val="323232"/>
                 </a:highlight>
-                <a:latin typeface="Courier New"/>
-                <a:ea typeface="Courier New"/>
-                <a:cs typeface="Courier New"/>
-                <a:sym typeface="Courier New"/>
+                <a:latin typeface="Consolas"/>
+                <a:ea typeface="Consolas"/>
+                <a:cs typeface="Consolas"/>
+                <a:sym typeface="Consolas"/>
               </a:rPr>
               <a:t> </a:t>
             </a:r>
@@ -25212,10 +25212,10 @@
                 <a:highlight>
                   <a:srgbClr val="323232"/>
                 </a:highlight>
-                <a:latin typeface="Courier New"/>
-                <a:ea typeface="Courier New"/>
-                <a:cs typeface="Courier New"/>
-                <a:sym typeface="Courier New"/>
+                <a:latin typeface="Consolas"/>
+                <a:ea typeface="Consolas"/>
+                <a:cs typeface="Consolas"/>
+                <a:sym typeface="Consolas"/>
               </a:rPr>
               <a:t>0</a:t>
             </a:r>
@@ -25227,10 +25227,10 @@
                 <a:highlight>
                   <a:srgbClr val="323232"/>
                 </a:highlight>
-                <a:latin typeface="Courier New"/>
-                <a:ea typeface="Courier New"/>
-                <a:cs typeface="Courier New"/>
-                <a:sym typeface="Courier New"/>
+                <a:latin typeface="Consolas"/>
+                <a:ea typeface="Consolas"/>
+                <a:cs typeface="Consolas"/>
+                <a:sym typeface="Consolas"/>
               </a:rPr>
               <a:t>;</a:t>
             </a:r>
@@ -25238,10 +25238,10 @@
               <a:solidFill>
                 <a:srgbClr val="F4CCCC"/>
               </a:solidFill>
-              <a:latin typeface="Courier New"/>
-              <a:ea typeface="Courier New"/>
-              <a:cs typeface="Courier New"/>
-              <a:sym typeface="Courier New"/>
+              <a:latin typeface="Consolas"/>
+              <a:ea typeface="Consolas"/>
+              <a:cs typeface="Consolas"/>
+              <a:sym typeface="Consolas"/>
             </a:endParaRPr>
           </a:p>
         </p:txBody>
@@ -25297,10 +25297,10 @@
                 <a:solidFill>
                   <a:srgbClr val="CC7833"/>
                 </a:solidFill>
-                <a:latin typeface="Courier New"/>
-                <a:ea typeface="Courier New"/>
-                <a:cs typeface="Courier New"/>
-                <a:sym typeface="Courier New"/>
+                <a:latin typeface="Consolas"/>
+                <a:ea typeface="Consolas"/>
+                <a:cs typeface="Consolas"/>
+                <a:sym typeface="Consolas"/>
               </a:rPr>
               <a:t>#include</a:t>
             </a:r>
@@ -25309,10 +25309,10 @@
                 <a:solidFill>
                   <a:srgbClr val="CDCDCD"/>
                 </a:solidFill>
-                <a:latin typeface="Courier New"/>
-                <a:ea typeface="Courier New"/>
-                <a:cs typeface="Courier New"/>
-                <a:sym typeface="Courier New"/>
+                <a:latin typeface="Consolas"/>
+                <a:ea typeface="Consolas"/>
+                <a:cs typeface="Consolas"/>
+                <a:sym typeface="Consolas"/>
               </a:rPr>
               <a:t> </a:t>
             </a:r>
@@ -25321,10 +25321,10 @@
                 <a:solidFill>
                   <a:srgbClr val="A5C261"/>
                 </a:solidFill>
-                <a:latin typeface="Courier New"/>
-                <a:ea typeface="Courier New"/>
-                <a:cs typeface="Courier New"/>
-                <a:sym typeface="Courier New"/>
+                <a:latin typeface="Consolas"/>
+                <a:ea typeface="Consolas"/>
+                <a:cs typeface="Consolas"/>
+                <a:sym typeface="Consolas"/>
               </a:rPr>
               <a:t>&lt;vector&gt;</a:t>
             </a:r>
@@ -25332,10 +25332,10 @@
               <a:solidFill>
                 <a:srgbClr val="A5C261"/>
               </a:solidFill>
-              <a:latin typeface="Courier New"/>
-              <a:ea typeface="Courier New"/>
-              <a:cs typeface="Courier New"/>
-              <a:sym typeface="Courier New"/>
+              <a:latin typeface="Consolas"/>
+              <a:ea typeface="Consolas"/>
+              <a:cs typeface="Consolas"/>
+              <a:sym typeface="Consolas"/>
             </a:endParaRPr>
           </a:p>
           <a:p>
@@ -25361,10 +25361,10 @@
                 <a:solidFill>
                   <a:srgbClr val="CDCDCD"/>
                 </a:solidFill>
-                <a:latin typeface="Courier New"/>
-                <a:ea typeface="Courier New"/>
-                <a:cs typeface="Courier New"/>
-                <a:sym typeface="Courier New"/>
+                <a:latin typeface="Consolas"/>
+                <a:ea typeface="Consolas"/>
+                <a:cs typeface="Consolas"/>
+                <a:sym typeface="Consolas"/>
               </a:rPr>
               <a:t>...</a:t>
             </a:r>
@@ -25372,10 +25372,10 @@
               <a:solidFill>
                 <a:srgbClr val="CDCDCD"/>
               </a:solidFill>
-              <a:latin typeface="Courier New"/>
-              <a:ea typeface="Courier New"/>
-              <a:cs typeface="Courier New"/>
-              <a:sym typeface="Courier New"/>
+              <a:latin typeface="Consolas"/>
+              <a:ea typeface="Consolas"/>
+              <a:cs typeface="Consolas"/>
+              <a:sym typeface="Consolas"/>
             </a:endParaRPr>
           </a:p>
           <a:p>
@@ -25396,10 +25396,10 @@
                 <a:solidFill>
                   <a:srgbClr val="FFC66D"/>
                 </a:solidFill>
-                <a:latin typeface="Courier New"/>
-                <a:ea typeface="Courier New"/>
-                <a:cs typeface="Courier New"/>
-                <a:sym typeface="Courier New"/>
+                <a:latin typeface="Consolas"/>
+                <a:ea typeface="Consolas"/>
+                <a:cs typeface="Consolas"/>
+                <a:sym typeface="Consolas"/>
               </a:rPr>
               <a:t>std</a:t>
             </a:r>
@@ -25408,10 +25408,10 @@
                 <a:solidFill>
                   <a:srgbClr val="CDCDCD"/>
                 </a:solidFill>
-                <a:latin typeface="Courier New"/>
-                <a:ea typeface="Courier New"/>
-                <a:cs typeface="Courier New"/>
-                <a:sym typeface="Courier New"/>
+                <a:latin typeface="Consolas"/>
+                <a:ea typeface="Consolas"/>
+                <a:cs typeface="Consolas"/>
+                <a:sym typeface="Consolas"/>
               </a:rPr>
               <a:t>::vector </a:t>
             </a:r>
@@ -25420,10 +25420,10 @@
                 <a:solidFill>
                   <a:srgbClr val="CC7833"/>
                 </a:solidFill>
-                <a:latin typeface="Courier New"/>
-                <a:ea typeface="Courier New"/>
-                <a:cs typeface="Courier New"/>
-                <a:sym typeface="Courier New"/>
+                <a:latin typeface="Consolas"/>
+                <a:ea typeface="Consolas"/>
+                <a:cs typeface="Consolas"/>
+                <a:sym typeface="Consolas"/>
               </a:rPr>
               <a:t>&lt;</a:t>
             </a:r>
@@ -25432,10 +25432,10 @@
                 <a:solidFill>
                   <a:srgbClr val="CDCDCD"/>
                 </a:solidFill>
-                <a:latin typeface="Courier New"/>
-                <a:ea typeface="Courier New"/>
-                <a:cs typeface="Courier New"/>
-                <a:sym typeface="Courier New"/>
+                <a:latin typeface="Consolas"/>
+                <a:ea typeface="Consolas"/>
+                <a:cs typeface="Consolas"/>
+                <a:sym typeface="Consolas"/>
               </a:rPr>
               <a:t>int</a:t>
             </a:r>
@@ -25444,10 +25444,10 @@
                 <a:solidFill>
                   <a:srgbClr val="CC7833"/>
                 </a:solidFill>
-                <a:latin typeface="Courier New"/>
-                <a:ea typeface="Courier New"/>
-                <a:cs typeface="Courier New"/>
-                <a:sym typeface="Courier New"/>
+                <a:latin typeface="Consolas"/>
+                <a:ea typeface="Consolas"/>
+                <a:cs typeface="Consolas"/>
+                <a:sym typeface="Consolas"/>
               </a:rPr>
               <a:t>&gt;</a:t>
             </a:r>
@@ -25456,10 +25456,10 @@
                 <a:solidFill>
                   <a:srgbClr val="CDCDCD"/>
                 </a:solidFill>
-                <a:latin typeface="Courier New"/>
-                <a:ea typeface="Courier New"/>
-                <a:cs typeface="Courier New"/>
-                <a:sym typeface="Courier New"/>
+                <a:latin typeface="Consolas"/>
+                <a:ea typeface="Consolas"/>
+                <a:cs typeface="Consolas"/>
+                <a:sym typeface="Consolas"/>
               </a:rPr>
               <a:t> </a:t>
             </a:r>
@@ -25468,10 +25468,10 @@
                 <a:solidFill>
                   <a:srgbClr val="FFC66D"/>
                 </a:solidFill>
-                <a:latin typeface="Courier New"/>
-                <a:ea typeface="Courier New"/>
-                <a:cs typeface="Courier New"/>
-                <a:sym typeface="Courier New"/>
+                <a:latin typeface="Consolas"/>
+                <a:ea typeface="Consolas"/>
+                <a:cs typeface="Consolas"/>
+                <a:sym typeface="Consolas"/>
               </a:rPr>
               <a:t>iv</a:t>
             </a:r>
@@ -25480,10 +25480,10 @@
                 <a:solidFill>
                   <a:srgbClr val="CDCDCD"/>
                 </a:solidFill>
-                <a:latin typeface="Courier New"/>
-                <a:ea typeface="Courier New"/>
-                <a:cs typeface="Courier New"/>
-                <a:sym typeface="Courier New"/>
+                <a:latin typeface="Consolas"/>
+                <a:ea typeface="Consolas"/>
+                <a:cs typeface="Consolas"/>
+                <a:sym typeface="Consolas"/>
               </a:rPr>
               <a:t>(</a:t>
             </a:r>
@@ -25492,10 +25492,10 @@
                 <a:solidFill>
                   <a:srgbClr val="6C99BB"/>
                 </a:solidFill>
-                <a:latin typeface="Courier New"/>
-                <a:ea typeface="Courier New"/>
-                <a:cs typeface="Courier New"/>
-                <a:sym typeface="Courier New"/>
+                <a:latin typeface="Consolas"/>
+                <a:ea typeface="Consolas"/>
+                <a:cs typeface="Consolas"/>
+                <a:sym typeface="Consolas"/>
               </a:rPr>
               <a:t>3</a:t>
             </a:r>
@@ -25504,10 +25504,10 @@
                 <a:solidFill>
                   <a:srgbClr val="CDCDCD"/>
                 </a:solidFill>
-                <a:latin typeface="Courier New"/>
-                <a:ea typeface="Courier New"/>
-                <a:cs typeface="Courier New"/>
-                <a:sym typeface="Courier New"/>
+                <a:latin typeface="Consolas"/>
+                <a:ea typeface="Consolas"/>
+                <a:cs typeface="Consolas"/>
+                <a:sym typeface="Consolas"/>
               </a:rPr>
               <a:t>);</a:t>
             </a:r>
@@ -25516,18 +25516,18 @@
                 <a:solidFill>
                   <a:srgbClr val="BC9458"/>
                 </a:solidFill>
-                <a:latin typeface="Courier New"/>
-                <a:ea typeface="Courier New"/>
-                <a:cs typeface="Courier New"/>
-                <a:sym typeface="Courier New"/>
+                <a:latin typeface="Consolas"/>
+                <a:ea typeface="Consolas"/>
+                <a:cs typeface="Consolas"/>
+                <a:sym typeface="Consolas"/>
               </a:rPr>
               <a:t> // declare</a:t>
             </a:r>
             <a:endParaRPr sz="3800">
-              <a:latin typeface="Courier New"/>
-              <a:ea typeface="Courier New"/>
-              <a:cs typeface="Courier New"/>
-              <a:sym typeface="Courier New"/>
+              <a:latin typeface="Consolas"/>
+              <a:ea typeface="Consolas"/>
+              <a:cs typeface="Consolas"/>
+              <a:sym typeface="Consolas"/>
             </a:endParaRPr>
           </a:p>
         </p:txBody>
@@ -26075,10 +26075,10 @@
               <a:solidFill>
                 <a:srgbClr val="CC7833"/>
               </a:solidFill>
-              <a:latin typeface="Courier New"/>
-              <a:ea typeface="Courier New"/>
-              <a:cs typeface="Courier New"/>
-              <a:sym typeface="Courier New"/>
+              <a:latin typeface="Consolas"/>
+              <a:ea typeface="Consolas"/>
+              <a:cs typeface="Consolas"/>
+              <a:sym typeface="Consolas"/>
             </a:endParaRPr>
           </a:p>
         </p:txBody>
@@ -26132,10 +26132,10 @@
                 <a:highlight>
                   <a:srgbClr val="323232"/>
                 </a:highlight>
-                <a:latin typeface="Courier New"/>
-                <a:ea typeface="Courier New"/>
-                <a:cs typeface="Courier New"/>
-                <a:sym typeface="Courier New"/>
+                <a:latin typeface="Consolas"/>
+                <a:ea typeface="Consolas"/>
+                <a:cs typeface="Consolas"/>
+                <a:sym typeface="Consolas"/>
               </a:rPr>
               <a:t>std</a:t>
             </a:r>
@@ -26147,10 +26147,10 @@
                 <a:highlight>
                   <a:srgbClr val="323232"/>
                 </a:highlight>
-                <a:latin typeface="Courier New"/>
-                <a:ea typeface="Courier New"/>
-                <a:cs typeface="Courier New"/>
-                <a:sym typeface="Courier New"/>
+                <a:latin typeface="Consolas"/>
+                <a:ea typeface="Consolas"/>
+                <a:cs typeface="Consolas"/>
+                <a:sym typeface="Consolas"/>
               </a:rPr>
               <a:t>::string str </a:t>
             </a:r>
@@ -26162,10 +26162,10 @@
                 <a:highlight>
                   <a:srgbClr val="323232"/>
                 </a:highlight>
-                <a:latin typeface="Courier New"/>
-                <a:ea typeface="Courier New"/>
-                <a:cs typeface="Courier New"/>
-                <a:sym typeface="Courier New"/>
+                <a:latin typeface="Consolas"/>
+                <a:ea typeface="Consolas"/>
+                <a:cs typeface="Consolas"/>
+                <a:sym typeface="Consolas"/>
               </a:rPr>
               <a:t>=</a:t>
             </a:r>
@@ -26177,10 +26177,10 @@
                 <a:highlight>
                   <a:srgbClr val="323232"/>
                 </a:highlight>
-                <a:latin typeface="Courier New"/>
-                <a:ea typeface="Courier New"/>
-                <a:cs typeface="Courier New"/>
-                <a:sym typeface="Courier New"/>
+                <a:latin typeface="Consolas"/>
+                <a:ea typeface="Consolas"/>
+                <a:cs typeface="Consolas"/>
+                <a:sym typeface="Consolas"/>
               </a:rPr>
               <a:t> </a:t>
             </a:r>
@@ -26192,10 +26192,10 @@
                 <a:highlight>
                   <a:srgbClr val="323232"/>
                 </a:highlight>
-                <a:latin typeface="Courier New"/>
-                <a:ea typeface="Courier New"/>
-                <a:cs typeface="Courier New"/>
-                <a:sym typeface="Courier New"/>
+                <a:latin typeface="Consolas"/>
+                <a:ea typeface="Consolas"/>
+                <a:cs typeface="Consolas"/>
+                <a:sym typeface="Consolas"/>
               </a:rPr>
               <a:t>"Hello World!"</a:t>
             </a:r>
@@ -26207,10 +26207,10 @@
                 <a:highlight>
                   <a:srgbClr val="323232"/>
                 </a:highlight>
-                <a:latin typeface="Courier New"/>
-                <a:ea typeface="Courier New"/>
-                <a:cs typeface="Courier New"/>
-                <a:sym typeface="Courier New"/>
+                <a:latin typeface="Consolas"/>
+                <a:ea typeface="Consolas"/>
+                <a:cs typeface="Consolas"/>
+                <a:sym typeface="Consolas"/>
               </a:rPr>
               <a:t>;</a:t>
             </a:r>
@@ -26218,10 +26218,10 @@
               <a:solidFill>
                 <a:srgbClr val="F4CCCC"/>
               </a:solidFill>
-              <a:latin typeface="Courier New"/>
-              <a:ea typeface="Courier New"/>
-              <a:cs typeface="Courier New"/>
-              <a:sym typeface="Courier New"/>
+              <a:latin typeface="Consolas"/>
+              <a:ea typeface="Consolas"/>
+              <a:cs typeface="Consolas"/>
+              <a:sym typeface="Consolas"/>
             </a:endParaRPr>
           </a:p>
         </p:txBody>
@@ -26275,10 +26275,10 @@
                 <a:highlight>
                   <a:srgbClr val="323232"/>
                 </a:highlight>
-                <a:latin typeface="Courier New"/>
-                <a:ea typeface="Courier New"/>
-                <a:cs typeface="Courier New"/>
-                <a:sym typeface="Courier New"/>
+                <a:latin typeface="Consolas"/>
+                <a:ea typeface="Consolas"/>
+                <a:cs typeface="Consolas"/>
+                <a:sym typeface="Consolas"/>
               </a:rPr>
               <a:t>$ python </a:t>
             </a:r>
@@ -26289,10 +26289,10 @@
               <a:highlight>
                 <a:srgbClr val="323232"/>
               </a:highlight>
-              <a:latin typeface="Courier New"/>
-              <a:ea typeface="Courier New"/>
-              <a:cs typeface="Courier New"/>
-              <a:sym typeface="Courier New"/>
+              <a:latin typeface="Consolas"/>
+              <a:ea typeface="Consolas"/>
+              <a:cs typeface="Consolas"/>
+              <a:sym typeface="Consolas"/>
             </a:endParaRPr>
           </a:p>
           <a:p>
@@ -26316,10 +26316,10 @@
                 <a:highlight>
                   <a:srgbClr val="323232"/>
                 </a:highlight>
-                <a:latin typeface="Courier New"/>
-                <a:ea typeface="Courier New"/>
-                <a:cs typeface="Courier New"/>
-                <a:sym typeface="Courier New"/>
+                <a:latin typeface="Consolas"/>
+                <a:ea typeface="Consolas"/>
+                <a:cs typeface="Consolas"/>
+                <a:sym typeface="Consolas"/>
               </a:rPr>
               <a:t>&gt;&gt; help(str)</a:t>
             </a:r>
@@ -26330,10 +26330,10 @@
               <a:highlight>
                 <a:srgbClr val="323232"/>
               </a:highlight>
-              <a:latin typeface="Courier New"/>
-              <a:ea typeface="Courier New"/>
-              <a:cs typeface="Courier New"/>
-              <a:sym typeface="Courier New"/>
+              <a:latin typeface="Consolas"/>
+              <a:ea typeface="Consolas"/>
+              <a:cs typeface="Consolas"/>
+              <a:sym typeface="Consolas"/>
             </a:endParaRPr>
           </a:p>
         </p:txBody>
@@ -26387,10 +26387,10 @@
                 <a:highlight>
                   <a:srgbClr val="323232"/>
                 </a:highlight>
-                <a:latin typeface="Courier New"/>
-                <a:ea typeface="Courier New"/>
-                <a:cs typeface="Courier New"/>
-                <a:sym typeface="Courier New"/>
+                <a:latin typeface="Consolas"/>
+                <a:ea typeface="Consolas"/>
+                <a:cs typeface="Consolas"/>
+                <a:sym typeface="Consolas"/>
               </a:rPr>
               <a:t>i </a:t>
             </a:r>
@@ -26402,10 +26402,10 @@
                 <a:highlight>
                   <a:srgbClr val="323232"/>
                 </a:highlight>
-                <a:latin typeface="Courier New"/>
-                <a:ea typeface="Courier New"/>
-                <a:cs typeface="Courier New"/>
-                <a:sym typeface="Courier New"/>
+                <a:latin typeface="Consolas"/>
+                <a:ea typeface="Consolas"/>
+                <a:cs typeface="Consolas"/>
+                <a:sym typeface="Consolas"/>
               </a:rPr>
               <a:t>=</a:t>
             </a:r>
@@ -26417,10 +26417,10 @@
                 <a:highlight>
                   <a:srgbClr val="323232"/>
                 </a:highlight>
-                <a:latin typeface="Courier New"/>
-                <a:ea typeface="Courier New"/>
-                <a:cs typeface="Courier New"/>
-                <a:sym typeface="Courier New"/>
+                <a:latin typeface="Consolas"/>
+                <a:ea typeface="Consolas"/>
+                <a:cs typeface="Consolas"/>
+                <a:sym typeface="Consolas"/>
               </a:rPr>
               <a:t> </a:t>
             </a:r>
@@ -26432,10 +26432,10 @@
                 <a:highlight>
                   <a:srgbClr val="323232"/>
                 </a:highlight>
-                <a:latin typeface="Courier New"/>
-                <a:ea typeface="Courier New"/>
-                <a:cs typeface="Courier New"/>
-                <a:sym typeface="Courier New"/>
+                <a:latin typeface="Consolas"/>
+                <a:ea typeface="Consolas"/>
+                <a:cs typeface="Consolas"/>
+                <a:sym typeface="Consolas"/>
               </a:rPr>
               <a:t>0</a:t>
             </a:r>
@@ -26447,10 +26447,10 @@
                 <a:highlight>
                   <a:srgbClr val="323232"/>
                 </a:highlight>
-                <a:latin typeface="Courier New"/>
-                <a:ea typeface="Courier New"/>
-                <a:cs typeface="Courier New"/>
-                <a:sym typeface="Courier New"/>
+                <a:latin typeface="Consolas"/>
+                <a:ea typeface="Consolas"/>
+                <a:cs typeface="Consolas"/>
+                <a:sym typeface="Consolas"/>
               </a:rPr>
               <a:t>;</a:t>
             </a:r>
@@ -26458,10 +26458,10 @@
               <a:solidFill>
                 <a:srgbClr val="F4CCCC"/>
               </a:solidFill>
-              <a:latin typeface="Courier New"/>
-              <a:ea typeface="Courier New"/>
-              <a:cs typeface="Courier New"/>
-              <a:sym typeface="Courier New"/>
+              <a:latin typeface="Consolas"/>
+              <a:ea typeface="Consolas"/>
+              <a:cs typeface="Consolas"/>
+              <a:sym typeface="Consolas"/>
             </a:endParaRPr>
           </a:p>
         </p:txBody>
@@ -26512,10 +26512,10 @@
                 <a:solidFill>
                   <a:srgbClr val="FFFFFF"/>
                 </a:solidFill>
-                <a:latin typeface="Courier New"/>
-                <a:ea typeface="Courier New"/>
-                <a:cs typeface="Courier New"/>
-                <a:sym typeface="Courier New"/>
+                <a:latin typeface="Consolas"/>
+                <a:ea typeface="Consolas"/>
+                <a:cs typeface="Consolas"/>
+                <a:sym typeface="Consolas"/>
               </a:rPr>
               <a:t>s </a:t>
             </a:r>
@@ -26524,10 +26524,10 @@
                 <a:solidFill>
                   <a:srgbClr val="CC7833"/>
                 </a:solidFill>
-                <a:latin typeface="Courier New"/>
-                <a:ea typeface="Courier New"/>
-                <a:cs typeface="Courier New"/>
-                <a:sym typeface="Courier New"/>
+                <a:latin typeface="Consolas"/>
+                <a:ea typeface="Consolas"/>
+                <a:cs typeface="Consolas"/>
+                <a:sym typeface="Consolas"/>
               </a:rPr>
               <a:t>=</a:t>
             </a:r>
@@ -26536,10 +26536,10 @@
                 <a:solidFill>
                   <a:srgbClr val="FFFFFF"/>
                 </a:solidFill>
-                <a:latin typeface="Courier New"/>
-                <a:ea typeface="Courier New"/>
-                <a:cs typeface="Courier New"/>
-                <a:sym typeface="Courier New"/>
+                <a:latin typeface="Consolas"/>
+                <a:ea typeface="Consolas"/>
+                <a:cs typeface="Consolas"/>
+                <a:sym typeface="Consolas"/>
               </a:rPr>
               <a:t> </a:t>
             </a:r>
@@ -26548,10 +26548,10 @@
                 <a:solidFill>
                   <a:srgbClr val="A5C261"/>
                 </a:solidFill>
-                <a:latin typeface="Courier New"/>
-                <a:ea typeface="Courier New"/>
-                <a:cs typeface="Courier New"/>
-                <a:sym typeface="Courier New"/>
+                <a:latin typeface="Consolas"/>
+                <a:ea typeface="Consolas"/>
+                <a:cs typeface="Consolas"/>
+                <a:sym typeface="Consolas"/>
               </a:rPr>
               <a:t>'Hello World! '</a:t>
             </a:r>
@@ -26559,10 +26559,10 @@
               <a:solidFill>
                 <a:srgbClr val="A5C261"/>
               </a:solidFill>
-              <a:latin typeface="Courier New"/>
-              <a:ea typeface="Courier New"/>
-              <a:cs typeface="Courier New"/>
-              <a:sym typeface="Courier New"/>
+              <a:latin typeface="Consolas"/>
+              <a:ea typeface="Consolas"/>
+              <a:cs typeface="Consolas"/>
+              <a:sym typeface="Consolas"/>
             </a:endParaRPr>
           </a:p>
           <a:p>
@@ -26583,10 +26583,10 @@
                 <a:solidFill>
                   <a:srgbClr val="FFFFFF"/>
                 </a:solidFill>
-                <a:latin typeface="Courier New"/>
-                <a:ea typeface="Courier New"/>
-                <a:cs typeface="Courier New"/>
-                <a:sym typeface="Courier New"/>
+                <a:latin typeface="Consolas"/>
+                <a:ea typeface="Consolas"/>
+                <a:cs typeface="Consolas"/>
+                <a:sym typeface="Consolas"/>
               </a:rPr>
               <a:t>s[</a:t>
             </a:r>
@@ -26595,10 +26595,10 @@
                 <a:solidFill>
                   <a:srgbClr val="6C99BB"/>
                 </a:solidFill>
-                <a:latin typeface="Courier New"/>
-                <a:ea typeface="Courier New"/>
-                <a:cs typeface="Courier New"/>
-                <a:sym typeface="Courier New"/>
+                <a:latin typeface="Consolas"/>
+                <a:ea typeface="Consolas"/>
+                <a:cs typeface="Consolas"/>
+                <a:sym typeface="Consolas"/>
               </a:rPr>
               <a:t>4</a:t>
             </a:r>
@@ -26607,10 +26607,10 @@
                 <a:solidFill>
                   <a:srgbClr val="FFFFFF"/>
                 </a:solidFill>
-                <a:latin typeface="Courier New"/>
-                <a:ea typeface="Courier New"/>
-                <a:cs typeface="Courier New"/>
-                <a:sym typeface="Courier New"/>
+                <a:latin typeface="Consolas"/>
+                <a:ea typeface="Consolas"/>
+                <a:cs typeface="Consolas"/>
+                <a:sym typeface="Consolas"/>
               </a:rPr>
               <a:t>]               </a:t>
             </a:r>
@@ -26619,10 +26619,10 @@
                 <a:solidFill>
                   <a:srgbClr val="BC9458"/>
                 </a:solidFill>
-                <a:latin typeface="Courier New"/>
-                <a:ea typeface="Courier New"/>
-                <a:cs typeface="Courier New"/>
-                <a:sym typeface="Courier New"/>
+                <a:latin typeface="Consolas"/>
+                <a:ea typeface="Consolas"/>
+                <a:cs typeface="Consolas"/>
+                <a:sym typeface="Consolas"/>
               </a:rPr>
               <a:t># 'o'characters</a:t>
             </a:r>
@@ -26630,10 +26630,10 @@
               <a:solidFill>
                 <a:srgbClr val="BC9458"/>
               </a:solidFill>
-              <a:latin typeface="Courier New"/>
-              <a:ea typeface="Courier New"/>
-              <a:cs typeface="Courier New"/>
-              <a:sym typeface="Courier New"/>
+              <a:latin typeface="Consolas"/>
+              <a:ea typeface="Consolas"/>
+              <a:cs typeface="Consolas"/>
+              <a:sym typeface="Consolas"/>
             </a:endParaRPr>
           </a:p>
           <a:p>
@@ -26654,10 +26654,10 @@
                 <a:solidFill>
                   <a:srgbClr val="FFFFFF"/>
                 </a:solidFill>
-                <a:latin typeface="Courier New"/>
-                <a:ea typeface="Courier New"/>
-                <a:cs typeface="Courier New"/>
-                <a:sym typeface="Courier New"/>
+                <a:latin typeface="Consolas"/>
+                <a:ea typeface="Consolas"/>
+                <a:cs typeface="Consolas"/>
+                <a:sym typeface="Consolas"/>
               </a:rPr>
               <a:t>s[</a:t>
             </a:r>
@@ -26666,10 +26666,10 @@
                 <a:solidFill>
                   <a:srgbClr val="6C99BB"/>
                 </a:solidFill>
-                <a:latin typeface="Courier New"/>
-                <a:ea typeface="Courier New"/>
-                <a:cs typeface="Courier New"/>
-                <a:sym typeface="Courier New"/>
+                <a:latin typeface="Consolas"/>
+                <a:ea typeface="Consolas"/>
+                <a:cs typeface="Consolas"/>
+                <a:sym typeface="Consolas"/>
               </a:rPr>
               <a:t>3</a:t>
             </a:r>
@@ -26678,10 +26678,10 @@
                 <a:solidFill>
                   <a:srgbClr val="FFFFFF"/>
                 </a:solidFill>
-                <a:latin typeface="Courier New"/>
-                <a:ea typeface="Courier New"/>
-                <a:cs typeface="Courier New"/>
-                <a:sym typeface="Courier New"/>
+                <a:latin typeface="Consolas"/>
+                <a:ea typeface="Consolas"/>
+                <a:cs typeface="Consolas"/>
+                <a:sym typeface="Consolas"/>
               </a:rPr>
               <a:t>:</a:t>
             </a:r>
@@ -26690,10 +26690,10 @@
                 <a:solidFill>
                   <a:srgbClr val="6C99BB"/>
                 </a:solidFill>
-                <a:latin typeface="Courier New"/>
-                <a:ea typeface="Courier New"/>
-                <a:cs typeface="Courier New"/>
-                <a:sym typeface="Courier New"/>
+                <a:latin typeface="Consolas"/>
+                <a:ea typeface="Consolas"/>
+                <a:cs typeface="Consolas"/>
+                <a:sym typeface="Consolas"/>
               </a:rPr>
               <a:t>5</a:t>
             </a:r>
@@ -26702,10 +26702,10 @@
                 <a:solidFill>
                   <a:srgbClr val="FFFFFF"/>
                 </a:solidFill>
-                <a:latin typeface="Courier New"/>
-                <a:ea typeface="Courier New"/>
-                <a:cs typeface="Courier New"/>
-                <a:sym typeface="Courier New"/>
+                <a:latin typeface="Consolas"/>
+                <a:ea typeface="Consolas"/>
+                <a:cs typeface="Consolas"/>
+                <a:sym typeface="Consolas"/>
               </a:rPr>
               <a:t>]             </a:t>
             </a:r>
@@ -26714,10 +26714,10 @@
                 <a:solidFill>
                   <a:srgbClr val="BC9458"/>
                 </a:solidFill>
-                <a:latin typeface="Courier New"/>
-                <a:ea typeface="Courier New"/>
-                <a:cs typeface="Courier New"/>
-                <a:sym typeface="Courier New"/>
+                <a:latin typeface="Consolas"/>
+                <a:ea typeface="Consolas"/>
+                <a:cs typeface="Consolas"/>
+                <a:sym typeface="Consolas"/>
               </a:rPr>
               <a:t># 'lo'</a:t>
             </a:r>
@@ -26725,10 +26725,10 @@
               <a:solidFill>
                 <a:srgbClr val="BC9458"/>
               </a:solidFill>
-              <a:latin typeface="Courier New"/>
-              <a:ea typeface="Courier New"/>
-              <a:cs typeface="Courier New"/>
-              <a:sym typeface="Courier New"/>
+              <a:latin typeface="Consolas"/>
+              <a:ea typeface="Consolas"/>
+              <a:cs typeface="Consolas"/>
+              <a:sym typeface="Consolas"/>
             </a:endParaRPr>
           </a:p>
           <a:p>
@@ -26749,10 +26749,10 @@
                 <a:solidFill>
                   <a:srgbClr val="FFFFFF"/>
                 </a:solidFill>
-                <a:latin typeface="Courier New"/>
-                <a:ea typeface="Courier New"/>
-                <a:cs typeface="Courier New"/>
-                <a:sym typeface="Courier New"/>
+                <a:latin typeface="Consolas"/>
+                <a:ea typeface="Consolas"/>
+                <a:cs typeface="Consolas"/>
+                <a:sym typeface="Consolas"/>
               </a:rPr>
               <a:t>s.upper()          </a:t>
             </a:r>
@@ -26761,10 +26761,10 @@
                 <a:solidFill>
                   <a:srgbClr val="BC9458"/>
                 </a:solidFill>
-                <a:latin typeface="Courier New"/>
-                <a:ea typeface="Courier New"/>
-                <a:cs typeface="Courier New"/>
-                <a:sym typeface="Courier New"/>
+                <a:latin typeface="Consolas"/>
+                <a:ea typeface="Consolas"/>
+                <a:cs typeface="Consolas"/>
+                <a:sym typeface="Consolas"/>
               </a:rPr>
               <a:t># 'HELLO WORLD! '</a:t>
             </a:r>
@@ -26772,10 +26772,10 @@
               <a:solidFill>
                 <a:srgbClr val="BC9458"/>
               </a:solidFill>
-              <a:latin typeface="Courier New"/>
-              <a:ea typeface="Courier New"/>
-              <a:cs typeface="Courier New"/>
-              <a:sym typeface="Courier New"/>
+              <a:latin typeface="Consolas"/>
+              <a:ea typeface="Consolas"/>
+              <a:cs typeface="Consolas"/>
+              <a:sym typeface="Consolas"/>
             </a:endParaRPr>
           </a:p>
           <a:p>
@@ -26796,10 +26796,10 @@
                 <a:solidFill>
                   <a:srgbClr val="FFFFFF"/>
                 </a:solidFill>
-                <a:latin typeface="Courier New"/>
-                <a:ea typeface="Courier New"/>
-                <a:cs typeface="Courier New"/>
-                <a:sym typeface="Courier New"/>
+                <a:latin typeface="Consolas"/>
+                <a:ea typeface="Consolas"/>
+                <a:cs typeface="Consolas"/>
+                <a:sym typeface="Consolas"/>
               </a:rPr>
               <a:t>s.lower()</a:t>
             </a:r>
@@ -26808,10 +26808,10 @@
                 <a:solidFill>
                   <a:srgbClr val="FFFFFF"/>
                 </a:solidFill>
-                <a:latin typeface="Courier New"/>
-                <a:ea typeface="Courier New"/>
-                <a:cs typeface="Courier New"/>
-                <a:sym typeface="Courier New"/>
+                <a:latin typeface="Consolas"/>
+                <a:ea typeface="Consolas"/>
+                <a:cs typeface="Consolas"/>
+                <a:sym typeface="Consolas"/>
               </a:rPr>
               <a:t>          </a:t>
             </a:r>
@@ -26820,10 +26820,10 @@
                 <a:solidFill>
                   <a:srgbClr val="BC9458"/>
                 </a:solidFill>
-                <a:latin typeface="Courier New"/>
-                <a:ea typeface="Courier New"/>
-                <a:cs typeface="Courier New"/>
-                <a:sym typeface="Courier New"/>
+                <a:latin typeface="Consolas"/>
+                <a:ea typeface="Consolas"/>
+                <a:cs typeface="Consolas"/>
+                <a:sym typeface="Consolas"/>
               </a:rPr>
               <a:t># 'hello world! '</a:t>
             </a:r>
@@ -26831,10 +26831,10 @@
               <a:solidFill>
                 <a:srgbClr val="BC9458"/>
               </a:solidFill>
-              <a:latin typeface="Courier New"/>
-              <a:ea typeface="Courier New"/>
-              <a:cs typeface="Courier New"/>
-              <a:sym typeface="Courier New"/>
+              <a:latin typeface="Consolas"/>
+              <a:ea typeface="Consolas"/>
+              <a:cs typeface="Consolas"/>
+              <a:sym typeface="Consolas"/>
             </a:endParaRPr>
           </a:p>
           <a:p>
@@ -26855,10 +26855,10 @@
                 <a:solidFill>
                   <a:srgbClr val="FFFFFF"/>
                 </a:solidFill>
-                <a:latin typeface="Courier New"/>
-                <a:ea typeface="Courier New"/>
-                <a:cs typeface="Courier New"/>
-                <a:sym typeface="Courier New"/>
+                <a:latin typeface="Consolas"/>
+                <a:ea typeface="Consolas"/>
+                <a:cs typeface="Consolas"/>
+                <a:sym typeface="Consolas"/>
               </a:rPr>
               <a:t>s.count(</a:t>
             </a:r>
@@ -26867,10 +26867,10 @@
                 <a:solidFill>
                   <a:srgbClr val="A5C261"/>
                 </a:solidFill>
-                <a:latin typeface="Courier New"/>
-                <a:ea typeface="Courier New"/>
-                <a:cs typeface="Courier New"/>
-                <a:sym typeface="Courier New"/>
+                <a:latin typeface="Consolas"/>
+                <a:ea typeface="Consolas"/>
+                <a:cs typeface="Consolas"/>
+                <a:sym typeface="Consolas"/>
               </a:rPr>
               <a:t>'l'</a:t>
             </a:r>
@@ -26879,10 +26879,10 @@
                 <a:solidFill>
                   <a:srgbClr val="FFFFFF"/>
                 </a:solidFill>
-                <a:latin typeface="Courier New"/>
-                <a:ea typeface="Courier New"/>
-                <a:cs typeface="Courier New"/>
-                <a:sym typeface="Courier New"/>
+                <a:latin typeface="Consolas"/>
+                <a:ea typeface="Consolas"/>
+                <a:cs typeface="Consolas"/>
+                <a:sym typeface="Consolas"/>
               </a:rPr>
               <a:t>)</a:t>
             </a:r>
@@ -26891,10 +26891,10 @@
                 <a:solidFill>
                   <a:srgbClr val="FFFFFF"/>
                 </a:solidFill>
-                <a:latin typeface="Courier New"/>
-                <a:ea typeface="Courier New"/>
-                <a:cs typeface="Courier New"/>
-                <a:sym typeface="Courier New"/>
+                <a:latin typeface="Consolas"/>
+                <a:ea typeface="Consolas"/>
+                <a:cs typeface="Consolas"/>
+                <a:sym typeface="Consolas"/>
               </a:rPr>
               <a:t>       </a:t>
             </a:r>
@@ -26903,10 +26903,10 @@
                 <a:solidFill>
                   <a:srgbClr val="BC9458"/>
                 </a:solidFill>
-                <a:latin typeface="Courier New"/>
-                <a:ea typeface="Courier New"/>
-                <a:cs typeface="Courier New"/>
-                <a:sym typeface="Courier New"/>
+                <a:latin typeface="Consolas"/>
+                <a:ea typeface="Consolas"/>
+                <a:cs typeface="Consolas"/>
+                <a:sym typeface="Consolas"/>
               </a:rPr>
               <a:t># 3</a:t>
             </a:r>
@@ -26914,10 +26914,10 @@
               <a:solidFill>
                 <a:srgbClr val="BC9458"/>
               </a:solidFill>
-              <a:latin typeface="Courier New"/>
-              <a:ea typeface="Courier New"/>
-              <a:cs typeface="Courier New"/>
-              <a:sym typeface="Courier New"/>
+              <a:latin typeface="Consolas"/>
+              <a:ea typeface="Consolas"/>
+              <a:cs typeface="Consolas"/>
+              <a:sym typeface="Consolas"/>
             </a:endParaRPr>
           </a:p>
           <a:p>
@@ -26938,10 +26938,10 @@
                 <a:solidFill>
                   <a:srgbClr val="FFFFFF"/>
                 </a:solidFill>
-                <a:latin typeface="Courier New"/>
-                <a:ea typeface="Courier New"/>
-                <a:cs typeface="Courier New"/>
-                <a:sym typeface="Courier New"/>
+                <a:latin typeface="Consolas"/>
+                <a:ea typeface="Consolas"/>
+                <a:cs typeface="Consolas"/>
+                <a:sym typeface="Consolas"/>
               </a:rPr>
               <a:t>s.replace(</a:t>
             </a:r>
@@ -26950,10 +26950,10 @@
                 <a:solidFill>
                   <a:srgbClr val="A5C261"/>
                 </a:solidFill>
-                <a:latin typeface="Courier New"/>
-                <a:ea typeface="Courier New"/>
-                <a:cs typeface="Courier New"/>
-                <a:sym typeface="Courier New"/>
+                <a:latin typeface="Consolas"/>
+                <a:ea typeface="Consolas"/>
+                <a:cs typeface="Consolas"/>
+                <a:sym typeface="Consolas"/>
               </a:rPr>
               <a:t>'e'</a:t>
             </a:r>
@@ -26962,10 +26962,10 @@
                 <a:solidFill>
                   <a:srgbClr val="FFFFFF"/>
                 </a:solidFill>
-                <a:latin typeface="Courier New"/>
-                <a:ea typeface="Courier New"/>
-                <a:cs typeface="Courier New"/>
-                <a:sym typeface="Courier New"/>
+                <a:latin typeface="Consolas"/>
+                <a:ea typeface="Consolas"/>
+                <a:cs typeface="Consolas"/>
+                <a:sym typeface="Consolas"/>
               </a:rPr>
               <a:t>,</a:t>
             </a:r>
@@ -26974,10 +26974,10 @@
                 <a:solidFill>
                   <a:srgbClr val="A5C261"/>
                 </a:solidFill>
-                <a:latin typeface="Courier New"/>
-                <a:ea typeface="Courier New"/>
-                <a:cs typeface="Courier New"/>
-                <a:sym typeface="Courier New"/>
+                <a:latin typeface="Consolas"/>
+                <a:ea typeface="Consolas"/>
+                <a:cs typeface="Consolas"/>
+                <a:sym typeface="Consolas"/>
               </a:rPr>
               <a:t>'p'</a:t>
             </a:r>
@@ -26986,10 +26986,10 @@
                 <a:solidFill>
                   <a:srgbClr val="FFFFFF"/>
                 </a:solidFill>
-                <a:latin typeface="Courier New"/>
-                <a:ea typeface="Courier New"/>
-                <a:cs typeface="Courier New"/>
-                <a:sym typeface="Courier New"/>
+                <a:latin typeface="Consolas"/>
+                <a:ea typeface="Consolas"/>
+                <a:cs typeface="Consolas"/>
+                <a:sym typeface="Consolas"/>
               </a:rPr>
               <a:t>) </a:t>
             </a:r>
@@ -26998,10 +26998,10 @@
                 <a:solidFill>
                   <a:srgbClr val="BC9458"/>
                 </a:solidFill>
-                <a:latin typeface="Courier New"/>
-                <a:ea typeface="Courier New"/>
-                <a:cs typeface="Courier New"/>
-                <a:sym typeface="Courier New"/>
+                <a:latin typeface="Consolas"/>
+                <a:ea typeface="Consolas"/>
+                <a:cs typeface="Consolas"/>
+                <a:sym typeface="Consolas"/>
               </a:rPr>
               <a:t># 'hpllo world! '</a:t>
             </a:r>
@@ -27009,10 +27009,10 @@
               <a:solidFill>
                 <a:srgbClr val="BC9458"/>
               </a:solidFill>
-              <a:latin typeface="Courier New"/>
-              <a:ea typeface="Courier New"/>
-              <a:cs typeface="Courier New"/>
-              <a:sym typeface="Courier New"/>
+              <a:latin typeface="Consolas"/>
+              <a:ea typeface="Consolas"/>
+              <a:cs typeface="Consolas"/>
+              <a:sym typeface="Consolas"/>
             </a:endParaRPr>
           </a:p>
           <a:p>
@@ -27033,10 +27033,10 @@
                 <a:solidFill>
                   <a:srgbClr val="FFFFFF"/>
                 </a:solidFill>
-                <a:latin typeface="Courier New"/>
-                <a:ea typeface="Courier New"/>
-                <a:cs typeface="Courier New"/>
-                <a:sym typeface="Courier New"/>
+                <a:latin typeface="Consolas"/>
+                <a:ea typeface="Consolas"/>
+                <a:cs typeface="Consolas"/>
+                <a:sym typeface="Consolas"/>
               </a:rPr>
               <a:t>s.strip()          </a:t>
             </a:r>
@@ -27045,10 +27045,10 @@
                 <a:solidFill>
                   <a:srgbClr val="BC9458"/>
                 </a:solidFill>
-                <a:latin typeface="Courier New"/>
-                <a:ea typeface="Courier New"/>
-                <a:cs typeface="Courier New"/>
-                <a:sym typeface="Courier New"/>
+                <a:latin typeface="Consolas"/>
+                <a:ea typeface="Consolas"/>
+                <a:cs typeface="Consolas"/>
+                <a:sym typeface="Consolas"/>
               </a:rPr>
               <a:t># 'hpllo world!'</a:t>
             </a:r>
@@ -27056,10 +27056,10 @@
               <a:solidFill>
                 <a:srgbClr val="CDCDCD"/>
               </a:solidFill>
-              <a:latin typeface="Courier New"/>
-              <a:ea typeface="Courier New"/>
-              <a:cs typeface="Courier New"/>
-              <a:sym typeface="Courier New"/>
+              <a:latin typeface="Consolas"/>
+              <a:ea typeface="Consolas"/>
+              <a:cs typeface="Consolas"/>
+              <a:sym typeface="Consolas"/>
             </a:endParaRPr>
           </a:p>
         </p:txBody>
@@ -27110,10 +27110,10 @@
                 <a:solidFill>
                   <a:srgbClr val="FFFFFF"/>
                 </a:solidFill>
-                <a:latin typeface="Courier New"/>
-                <a:ea typeface="Courier New"/>
-                <a:cs typeface="Courier New"/>
-                <a:sym typeface="Courier New"/>
+                <a:latin typeface="Consolas"/>
+                <a:ea typeface="Consolas"/>
+                <a:cs typeface="Consolas"/>
+                <a:sym typeface="Consolas"/>
               </a:rPr>
               <a:t>l1 </a:t>
             </a:r>
@@ -27122,10 +27122,10 @@
                 <a:solidFill>
                   <a:srgbClr val="CC7833"/>
                 </a:solidFill>
-                <a:latin typeface="Courier New"/>
-                <a:ea typeface="Courier New"/>
-                <a:cs typeface="Courier New"/>
-                <a:sym typeface="Courier New"/>
+                <a:latin typeface="Consolas"/>
+                <a:ea typeface="Consolas"/>
+                <a:cs typeface="Consolas"/>
+                <a:sym typeface="Consolas"/>
               </a:rPr>
               <a:t>=</a:t>
             </a:r>
@@ -27134,10 +27134,10 @@
                 <a:solidFill>
                   <a:srgbClr val="FFFFFF"/>
                 </a:solidFill>
-                <a:latin typeface="Courier New"/>
-                <a:ea typeface="Courier New"/>
-                <a:cs typeface="Courier New"/>
-                <a:sym typeface="Courier New"/>
+                <a:latin typeface="Consolas"/>
+                <a:ea typeface="Consolas"/>
+                <a:cs typeface="Consolas"/>
+                <a:sym typeface="Consolas"/>
               </a:rPr>
               <a:t> [</a:t>
             </a:r>
@@ -27146,10 +27146,10 @@
                 <a:solidFill>
                   <a:srgbClr val="A5C261"/>
                 </a:solidFill>
-                <a:latin typeface="Courier New"/>
-                <a:ea typeface="Courier New"/>
-                <a:cs typeface="Courier New"/>
-                <a:sym typeface="Courier New"/>
+                <a:latin typeface="Consolas"/>
+                <a:ea typeface="Consolas"/>
+                <a:cs typeface="Consolas"/>
+                <a:sym typeface="Consolas"/>
               </a:rPr>
               <a:t>'Hello'</a:t>
             </a:r>
@@ -27158,10 +27158,10 @@
                 <a:solidFill>
                   <a:srgbClr val="FFFFFF"/>
                 </a:solidFill>
-                <a:latin typeface="Courier New"/>
-                <a:ea typeface="Courier New"/>
-                <a:cs typeface="Courier New"/>
-                <a:sym typeface="Courier New"/>
+                <a:latin typeface="Consolas"/>
+                <a:ea typeface="Consolas"/>
+                <a:cs typeface="Consolas"/>
+                <a:sym typeface="Consolas"/>
               </a:rPr>
               <a:t>, </a:t>
             </a:r>
@@ -27170,10 +27170,10 @@
                 <a:solidFill>
                   <a:srgbClr val="6C99BB"/>
                 </a:solidFill>
-                <a:latin typeface="Courier New"/>
-                <a:ea typeface="Courier New"/>
-                <a:cs typeface="Courier New"/>
-                <a:sym typeface="Courier New"/>
+                <a:latin typeface="Consolas"/>
+                <a:ea typeface="Consolas"/>
+                <a:cs typeface="Consolas"/>
+                <a:sym typeface="Consolas"/>
               </a:rPr>
               <a:t>1</a:t>
             </a:r>
@@ -27182,10 +27182,10 @@
                 <a:solidFill>
                   <a:srgbClr val="FFFFFF"/>
                 </a:solidFill>
-                <a:latin typeface="Courier New"/>
-                <a:ea typeface="Courier New"/>
-                <a:cs typeface="Courier New"/>
-                <a:sym typeface="Courier New"/>
+                <a:latin typeface="Consolas"/>
+                <a:ea typeface="Consolas"/>
+                <a:cs typeface="Consolas"/>
+                <a:sym typeface="Consolas"/>
               </a:rPr>
               <a:t>]</a:t>
             </a:r>
@@ -27193,10 +27193,10 @@
               <a:solidFill>
                 <a:srgbClr val="FFFFFF"/>
               </a:solidFill>
-              <a:latin typeface="Courier New"/>
-              <a:ea typeface="Courier New"/>
-              <a:cs typeface="Courier New"/>
-              <a:sym typeface="Courier New"/>
+              <a:latin typeface="Consolas"/>
+              <a:ea typeface="Consolas"/>
+              <a:cs typeface="Consolas"/>
+              <a:sym typeface="Consolas"/>
             </a:endParaRPr>
           </a:p>
           <a:p>
@@ -27217,10 +27217,10 @@
                 <a:solidFill>
                   <a:srgbClr val="FFFFFF"/>
                 </a:solidFill>
-                <a:latin typeface="Courier New"/>
-                <a:ea typeface="Courier New"/>
-                <a:cs typeface="Courier New"/>
-                <a:sym typeface="Courier New"/>
+                <a:latin typeface="Consolas"/>
+                <a:ea typeface="Consolas"/>
+                <a:cs typeface="Consolas"/>
+                <a:sym typeface="Consolas"/>
               </a:rPr>
               <a:t>l1[</a:t>
             </a:r>
@@ -27229,10 +27229,10 @@
                 <a:solidFill>
                   <a:srgbClr val="6C99BB"/>
                 </a:solidFill>
-                <a:latin typeface="Courier New"/>
-                <a:ea typeface="Courier New"/>
-                <a:cs typeface="Courier New"/>
-                <a:sym typeface="Courier New"/>
+                <a:latin typeface="Consolas"/>
+                <a:ea typeface="Consolas"/>
+                <a:cs typeface="Consolas"/>
+                <a:sym typeface="Consolas"/>
               </a:rPr>
               <a:t>0</a:t>
             </a:r>
@@ -27241,10 +27241,10 @@
                 <a:solidFill>
                   <a:srgbClr val="FFFFFF"/>
                 </a:solidFill>
-                <a:latin typeface="Courier New"/>
-                <a:ea typeface="Courier New"/>
-                <a:cs typeface="Courier New"/>
-                <a:sym typeface="Courier New"/>
+                <a:latin typeface="Consolas"/>
+                <a:ea typeface="Consolas"/>
+                <a:cs typeface="Consolas"/>
+                <a:sym typeface="Consolas"/>
               </a:rPr>
               <a:t>] </a:t>
             </a:r>
@@ -27253,10 +27253,10 @@
                 <a:solidFill>
                   <a:srgbClr val="BC9458"/>
                 </a:solidFill>
-                <a:latin typeface="Courier New"/>
-                <a:ea typeface="Courier New"/>
-                <a:cs typeface="Courier New"/>
-                <a:sym typeface="Courier New"/>
+                <a:latin typeface="Consolas"/>
+                <a:ea typeface="Consolas"/>
+                <a:cs typeface="Consolas"/>
+                <a:sym typeface="Consolas"/>
               </a:rPr>
               <a:t># 'Hello'</a:t>
             </a:r>
@@ -27264,10 +27264,10 @@
               <a:solidFill>
                 <a:srgbClr val="BC9458"/>
               </a:solidFill>
-              <a:latin typeface="Courier New"/>
-              <a:ea typeface="Courier New"/>
-              <a:cs typeface="Courier New"/>
-              <a:sym typeface="Courier New"/>
+              <a:latin typeface="Consolas"/>
+              <a:ea typeface="Consolas"/>
+              <a:cs typeface="Consolas"/>
+              <a:sym typeface="Consolas"/>
             </a:endParaRPr>
           </a:p>
           <a:p>
@@ -27288,10 +27288,10 @@
                 <a:solidFill>
                   <a:srgbClr val="FFFFFF"/>
                 </a:solidFill>
-                <a:latin typeface="Courier New"/>
-                <a:ea typeface="Courier New"/>
-                <a:cs typeface="Courier New"/>
-                <a:sym typeface="Courier New"/>
+                <a:latin typeface="Consolas"/>
+                <a:ea typeface="Consolas"/>
+                <a:cs typeface="Consolas"/>
+                <a:sym typeface="Consolas"/>
               </a:rPr>
               <a:t>l1[</a:t>
             </a:r>
@@ -27300,10 +27300,10 @@
                 <a:solidFill>
                   <a:srgbClr val="6C99BB"/>
                 </a:solidFill>
-                <a:latin typeface="Courier New"/>
-                <a:ea typeface="Courier New"/>
-                <a:cs typeface="Courier New"/>
-                <a:sym typeface="Courier New"/>
+                <a:latin typeface="Consolas"/>
+                <a:ea typeface="Consolas"/>
+                <a:cs typeface="Consolas"/>
+                <a:sym typeface="Consolas"/>
               </a:rPr>
               <a:t>1</a:t>
             </a:r>
@@ -27312,10 +27312,10 @@
                 <a:solidFill>
                   <a:srgbClr val="FFFFFF"/>
                 </a:solidFill>
-                <a:latin typeface="Courier New"/>
-                <a:ea typeface="Courier New"/>
-                <a:cs typeface="Courier New"/>
-                <a:sym typeface="Courier New"/>
+                <a:latin typeface="Consolas"/>
+                <a:ea typeface="Consolas"/>
+                <a:cs typeface="Consolas"/>
+                <a:sym typeface="Consolas"/>
               </a:rPr>
               <a:t>] </a:t>
             </a:r>
@@ -27324,10 +27324,10 @@
                 <a:solidFill>
                   <a:srgbClr val="BC9458"/>
                 </a:solidFill>
-                <a:latin typeface="Courier New"/>
-                <a:ea typeface="Courier New"/>
-                <a:cs typeface="Courier New"/>
-                <a:sym typeface="Courier New"/>
+                <a:latin typeface="Consolas"/>
+                <a:ea typeface="Consolas"/>
+                <a:cs typeface="Consolas"/>
+                <a:sym typeface="Consolas"/>
               </a:rPr>
               <a:t># 1</a:t>
             </a:r>
@@ -27335,10 +27335,10 @@
               <a:solidFill>
                 <a:srgbClr val="FFC66D"/>
               </a:solidFill>
-              <a:latin typeface="Courier New"/>
-              <a:ea typeface="Courier New"/>
-              <a:cs typeface="Courier New"/>
-              <a:sym typeface="Courier New"/>
+              <a:latin typeface="Consolas"/>
+              <a:ea typeface="Consolas"/>
+              <a:cs typeface="Consolas"/>
+              <a:sym typeface="Consolas"/>
             </a:endParaRPr>
           </a:p>
         </p:txBody>
@@ -27392,10 +27392,10 @@
                 <a:highlight>
                   <a:srgbClr val="323232"/>
                 </a:highlight>
-                <a:latin typeface="Courier New"/>
-                <a:ea typeface="Courier New"/>
-                <a:cs typeface="Courier New"/>
-                <a:sym typeface="Courier New"/>
+                <a:latin typeface="Consolas"/>
+                <a:ea typeface="Consolas"/>
+                <a:cs typeface="Consolas"/>
+                <a:sym typeface="Consolas"/>
               </a:rPr>
               <a:t>dict </a:t>
             </a:r>
@@ -27407,10 +27407,10 @@
                 <a:highlight>
                   <a:srgbClr val="323232"/>
                 </a:highlight>
-                <a:latin typeface="Courier New"/>
-                <a:ea typeface="Courier New"/>
-                <a:cs typeface="Courier New"/>
-                <a:sym typeface="Courier New"/>
+                <a:latin typeface="Consolas"/>
+                <a:ea typeface="Consolas"/>
+                <a:cs typeface="Consolas"/>
+                <a:sym typeface="Consolas"/>
               </a:rPr>
               <a:t>=</a:t>
             </a:r>
@@ -27422,10 +27422,10 @@
                 <a:highlight>
                   <a:srgbClr val="323232"/>
                 </a:highlight>
-                <a:latin typeface="Courier New"/>
-                <a:ea typeface="Courier New"/>
-                <a:cs typeface="Courier New"/>
-                <a:sym typeface="Courier New"/>
+                <a:latin typeface="Consolas"/>
+                <a:ea typeface="Consolas"/>
+                <a:cs typeface="Consolas"/>
+                <a:sym typeface="Consolas"/>
               </a:rPr>
               <a:t> {</a:t>
             </a:r>
@@ -27436,10 +27436,10 @@
               <a:highlight>
                 <a:srgbClr val="323232"/>
               </a:highlight>
-              <a:latin typeface="Courier New"/>
-              <a:ea typeface="Courier New"/>
-              <a:cs typeface="Courier New"/>
-              <a:sym typeface="Courier New"/>
+              <a:latin typeface="Consolas"/>
+              <a:ea typeface="Consolas"/>
+              <a:cs typeface="Consolas"/>
+              <a:sym typeface="Consolas"/>
             </a:endParaRPr>
           </a:p>
           <a:p>
@@ -27463,10 +27463,10 @@
                 <a:highlight>
                   <a:srgbClr val="323232"/>
                 </a:highlight>
-                <a:latin typeface="Courier New"/>
-                <a:ea typeface="Courier New"/>
-                <a:cs typeface="Courier New"/>
-                <a:sym typeface="Courier New"/>
+                <a:latin typeface="Consolas"/>
+                <a:ea typeface="Consolas"/>
+                <a:cs typeface="Consolas"/>
+                <a:sym typeface="Consolas"/>
               </a:rPr>
               <a:t>    </a:t>
             </a:r>
@@ -27478,10 +27478,10 @@
                 <a:highlight>
                   <a:srgbClr val="323232"/>
                 </a:highlight>
-                <a:latin typeface="Courier New"/>
-                <a:ea typeface="Courier New"/>
-                <a:cs typeface="Courier New"/>
-                <a:sym typeface="Courier New"/>
+                <a:latin typeface="Consolas"/>
+                <a:ea typeface="Consolas"/>
+                <a:cs typeface="Consolas"/>
+                <a:sym typeface="Consolas"/>
               </a:rPr>
               <a:t>"brand"</a:t>
             </a:r>
@@ -27493,10 +27493,10 @@
                 <a:highlight>
                   <a:srgbClr val="323232"/>
                 </a:highlight>
-                <a:latin typeface="Courier New"/>
-                <a:ea typeface="Courier New"/>
-                <a:cs typeface="Courier New"/>
-                <a:sym typeface="Courier New"/>
+                <a:latin typeface="Consolas"/>
+                <a:ea typeface="Consolas"/>
+                <a:cs typeface="Consolas"/>
+                <a:sym typeface="Consolas"/>
               </a:rPr>
               <a:t>: </a:t>
             </a:r>
@@ -27508,10 +27508,10 @@
                 <a:highlight>
                   <a:srgbClr val="323232"/>
                 </a:highlight>
-                <a:latin typeface="Courier New"/>
-                <a:ea typeface="Courier New"/>
-                <a:cs typeface="Courier New"/>
-                <a:sym typeface="Courier New"/>
+                <a:latin typeface="Consolas"/>
+                <a:ea typeface="Consolas"/>
+                <a:cs typeface="Consolas"/>
+                <a:sym typeface="Consolas"/>
               </a:rPr>
               <a:t>"Honda"</a:t>
             </a:r>
@@ -27523,10 +27523,10 @@
                 <a:highlight>
                   <a:srgbClr val="323232"/>
                 </a:highlight>
-                <a:latin typeface="Courier New"/>
-                <a:ea typeface="Courier New"/>
-                <a:cs typeface="Courier New"/>
-                <a:sym typeface="Courier New"/>
+                <a:latin typeface="Consolas"/>
+                <a:ea typeface="Consolas"/>
+                <a:cs typeface="Consolas"/>
+                <a:sym typeface="Consolas"/>
               </a:rPr>
               <a:t>,</a:t>
             </a:r>
@@ -27537,10 +27537,10 @@
               <a:highlight>
                 <a:srgbClr val="323232"/>
               </a:highlight>
-              <a:latin typeface="Courier New"/>
-              <a:ea typeface="Courier New"/>
-              <a:cs typeface="Courier New"/>
-              <a:sym typeface="Courier New"/>
+              <a:latin typeface="Consolas"/>
+              <a:ea typeface="Consolas"/>
+              <a:cs typeface="Consolas"/>
+              <a:sym typeface="Consolas"/>
             </a:endParaRPr>
           </a:p>
           <a:p>
@@ -27564,10 +27564,10 @@
                 <a:highlight>
                   <a:srgbClr val="323232"/>
                 </a:highlight>
-                <a:latin typeface="Courier New"/>
-                <a:ea typeface="Courier New"/>
-                <a:cs typeface="Courier New"/>
-                <a:sym typeface="Courier New"/>
+                <a:latin typeface="Consolas"/>
+                <a:ea typeface="Consolas"/>
+                <a:cs typeface="Consolas"/>
+                <a:sym typeface="Consolas"/>
               </a:rPr>
               <a:t>    </a:t>
             </a:r>
@@ -27579,10 +27579,10 @@
                 <a:highlight>
                   <a:srgbClr val="323232"/>
                 </a:highlight>
-                <a:latin typeface="Courier New"/>
-                <a:ea typeface="Courier New"/>
-                <a:cs typeface="Courier New"/>
-                <a:sym typeface="Courier New"/>
+                <a:latin typeface="Consolas"/>
+                <a:ea typeface="Consolas"/>
+                <a:cs typeface="Consolas"/>
+                <a:sym typeface="Consolas"/>
               </a:rPr>
               <a:t>"colours"</a:t>
             </a:r>
@@ -27594,10 +27594,10 @@
                 <a:highlight>
                   <a:srgbClr val="323232"/>
                 </a:highlight>
-                <a:latin typeface="Courier New"/>
-                <a:ea typeface="Courier New"/>
-                <a:cs typeface="Courier New"/>
-                <a:sym typeface="Courier New"/>
+                <a:latin typeface="Consolas"/>
+                <a:ea typeface="Consolas"/>
+                <a:cs typeface="Consolas"/>
+                <a:sym typeface="Consolas"/>
               </a:rPr>
               <a:t>: [</a:t>
             </a:r>
@@ -27609,10 +27609,10 @@
                 <a:highlight>
                   <a:srgbClr val="323232"/>
                 </a:highlight>
-                <a:latin typeface="Courier New"/>
-                <a:ea typeface="Courier New"/>
-                <a:cs typeface="Courier New"/>
-                <a:sym typeface="Courier New"/>
+                <a:latin typeface="Consolas"/>
+                <a:ea typeface="Consolas"/>
+                <a:cs typeface="Consolas"/>
+                <a:sym typeface="Consolas"/>
               </a:rPr>
               <a:t>"red"</a:t>
             </a:r>
@@ -27624,10 +27624,10 @@
                 <a:highlight>
                   <a:srgbClr val="323232"/>
                 </a:highlight>
-                <a:latin typeface="Courier New"/>
-                <a:ea typeface="Courier New"/>
-                <a:cs typeface="Courier New"/>
-                <a:sym typeface="Courier New"/>
+                <a:latin typeface="Consolas"/>
+                <a:ea typeface="Consolas"/>
+                <a:cs typeface="Consolas"/>
+                <a:sym typeface="Consolas"/>
               </a:rPr>
               <a:t>, </a:t>
             </a:r>
@@ -27639,10 +27639,10 @@
                 <a:highlight>
                   <a:srgbClr val="323232"/>
                 </a:highlight>
-                <a:latin typeface="Courier New"/>
-                <a:ea typeface="Courier New"/>
-                <a:cs typeface="Courier New"/>
-                <a:sym typeface="Courier New"/>
+                <a:latin typeface="Consolas"/>
+                <a:ea typeface="Consolas"/>
+                <a:cs typeface="Consolas"/>
+                <a:sym typeface="Consolas"/>
               </a:rPr>
               <a:t>"blue"</a:t>
             </a:r>
@@ -27654,10 +27654,10 @@
                 <a:highlight>
                   <a:srgbClr val="323232"/>
                 </a:highlight>
-                <a:latin typeface="Courier New"/>
-                <a:ea typeface="Courier New"/>
-                <a:cs typeface="Courier New"/>
-                <a:sym typeface="Courier New"/>
+                <a:latin typeface="Consolas"/>
+                <a:ea typeface="Consolas"/>
+                <a:cs typeface="Consolas"/>
+                <a:sym typeface="Consolas"/>
               </a:rPr>
               <a:t>],</a:t>
             </a:r>
@@ -27668,10 +27668,10 @@
               <a:highlight>
                 <a:srgbClr val="323232"/>
               </a:highlight>
-              <a:latin typeface="Courier New"/>
-              <a:ea typeface="Courier New"/>
-              <a:cs typeface="Courier New"/>
-              <a:sym typeface="Courier New"/>
+              <a:latin typeface="Consolas"/>
+              <a:ea typeface="Consolas"/>
+              <a:cs typeface="Consolas"/>
+              <a:sym typeface="Consolas"/>
             </a:endParaRPr>
           </a:p>
           <a:p>
@@ -27695,10 +27695,10 @@
                 <a:highlight>
                   <a:srgbClr val="323232"/>
                 </a:highlight>
-                <a:latin typeface="Courier New"/>
-                <a:ea typeface="Courier New"/>
-                <a:cs typeface="Courier New"/>
-                <a:sym typeface="Courier New"/>
+                <a:latin typeface="Consolas"/>
+                <a:ea typeface="Consolas"/>
+                <a:cs typeface="Consolas"/>
+                <a:sym typeface="Consolas"/>
               </a:rPr>
               <a:t>    </a:t>
             </a:r>
@@ -27710,10 +27710,10 @@
                 <a:highlight>
                   <a:srgbClr val="323232"/>
                 </a:highlight>
-                <a:latin typeface="Courier New"/>
-                <a:ea typeface="Courier New"/>
-                <a:cs typeface="Courier New"/>
-                <a:sym typeface="Courier New"/>
+                <a:latin typeface="Consolas"/>
+                <a:ea typeface="Consolas"/>
+                <a:cs typeface="Consolas"/>
+                <a:sym typeface="Consolas"/>
               </a:rPr>
               <a:t>"year"</a:t>
             </a:r>
@@ -27725,10 +27725,10 @@
                 <a:highlight>
                   <a:srgbClr val="323232"/>
                 </a:highlight>
-                <a:latin typeface="Courier New"/>
-                <a:ea typeface="Courier New"/>
-                <a:cs typeface="Courier New"/>
-                <a:sym typeface="Courier New"/>
+                <a:latin typeface="Consolas"/>
+                <a:ea typeface="Consolas"/>
+                <a:cs typeface="Consolas"/>
+                <a:sym typeface="Consolas"/>
               </a:rPr>
               <a:t>: </a:t>
             </a:r>
@@ -27740,10 +27740,10 @@
                 <a:highlight>
                   <a:srgbClr val="323232"/>
                 </a:highlight>
-                <a:latin typeface="Courier New"/>
-                <a:ea typeface="Courier New"/>
-                <a:cs typeface="Courier New"/>
-                <a:sym typeface="Courier New"/>
+                <a:latin typeface="Consolas"/>
+                <a:ea typeface="Consolas"/>
+                <a:cs typeface="Consolas"/>
+                <a:sym typeface="Consolas"/>
               </a:rPr>
               <a:t>2020</a:t>
             </a:r>
@@ -27754,10 +27754,10 @@
               <a:highlight>
                 <a:srgbClr val="323232"/>
               </a:highlight>
-              <a:latin typeface="Courier New"/>
-              <a:ea typeface="Courier New"/>
-              <a:cs typeface="Courier New"/>
-              <a:sym typeface="Courier New"/>
+              <a:latin typeface="Consolas"/>
+              <a:ea typeface="Consolas"/>
+              <a:cs typeface="Consolas"/>
+              <a:sym typeface="Consolas"/>
             </a:endParaRPr>
           </a:p>
           <a:p>
@@ -27781,10 +27781,10 @@
                 <a:highlight>
                   <a:srgbClr val="323232"/>
                 </a:highlight>
-                <a:latin typeface="Courier New"/>
-                <a:ea typeface="Courier New"/>
-                <a:cs typeface="Courier New"/>
-                <a:sym typeface="Courier New"/>
+                <a:latin typeface="Consolas"/>
+                <a:ea typeface="Consolas"/>
+                <a:cs typeface="Consolas"/>
+                <a:sym typeface="Consolas"/>
               </a:rPr>
               <a:t>}</a:t>
             </a:r>
@@ -27795,10 +27795,10 @@
               <a:highlight>
                 <a:srgbClr val="323232"/>
               </a:highlight>
-              <a:latin typeface="Courier New"/>
-              <a:ea typeface="Courier New"/>
-              <a:cs typeface="Courier New"/>
-              <a:sym typeface="Courier New"/>
+              <a:latin typeface="Consolas"/>
+              <a:ea typeface="Consolas"/>
+              <a:cs typeface="Consolas"/>
+              <a:sym typeface="Consolas"/>
             </a:endParaRPr>
           </a:p>
           <a:p>
@@ -27822,10 +27822,10 @@
                 <a:highlight>
                   <a:srgbClr val="323232"/>
                 </a:highlight>
-                <a:latin typeface="Courier New"/>
-                <a:ea typeface="Courier New"/>
-                <a:cs typeface="Courier New"/>
-                <a:sym typeface="Courier New"/>
+                <a:latin typeface="Consolas"/>
+                <a:ea typeface="Consolas"/>
+                <a:cs typeface="Consolas"/>
+                <a:sym typeface="Consolas"/>
               </a:rPr>
               <a:t>dict[</a:t>
             </a:r>
@@ -27837,10 +27837,10 @@
                 <a:highlight>
                   <a:srgbClr val="323232"/>
                 </a:highlight>
-                <a:latin typeface="Courier New"/>
-                <a:ea typeface="Courier New"/>
-                <a:cs typeface="Courier New"/>
-                <a:sym typeface="Courier New"/>
+                <a:latin typeface="Consolas"/>
+                <a:ea typeface="Consolas"/>
+                <a:cs typeface="Consolas"/>
+                <a:sym typeface="Consolas"/>
               </a:rPr>
               <a:t>"brand"</a:t>
             </a:r>
@@ -27852,10 +27852,10 @@
                 <a:highlight>
                   <a:srgbClr val="323232"/>
                 </a:highlight>
-                <a:latin typeface="Courier New"/>
-                <a:ea typeface="Courier New"/>
-                <a:cs typeface="Courier New"/>
-                <a:sym typeface="Courier New"/>
+                <a:latin typeface="Consolas"/>
+                <a:ea typeface="Consolas"/>
+                <a:cs typeface="Consolas"/>
+                <a:sym typeface="Consolas"/>
               </a:rPr>
               <a:t>]            </a:t>
             </a:r>
@@ -27867,10 +27867,10 @@
                 <a:highlight>
                   <a:srgbClr val="323232"/>
                 </a:highlight>
-                <a:latin typeface="Courier New"/>
-                <a:ea typeface="Courier New"/>
-                <a:cs typeface="Courier New"/>
-                <a:sym typeface="Courier New"/>
+                <a:latin typeface="Consolas"/>
+                <a:ea typeface="Consolas"/>
+                <a:cs typeface="Consolas"/>
+                <a:sym typeface="Consolas"/>
               </a:rPr>
               <a:t># "Honda"</a:t>
             </a:r>
@@ -27878,10 +27878,10 @@
               <a:solidFill>
                 <a:srgbClr val="FFFFFF"/>
               </a:solidFill>
-              <a:latin typeface="Courier New"/>
-              <a:ea typeface="Courier New"/>
-              <a:cs typeface="Courier New"/>
-              <a:sym typeface="Courier New"/>
+              <a:latin typeface="Consolas"/>
+              <a:ea typeface="Consolas"/>
+              <a:cs typeface="Consolas"/>
+              <a:sym typeface="Consolas"/>
             </a:endParaRPr>
           </a:p>
         </p:txBody>
@@ -28760,7 +28760,31 @@
                 <a:cs typeface="Nunito"/>
                 <a:sym typeface="Nunito"/>
               </a:rPr>
-              <a:t> is the same as </a:t>
+              <a:t> </a:t>
+            </a:r>
+            <a:r>
+              <a:rPr lang="zh-CN" sz="4000">
+                <a:solidFill>
+                  <a:srgbClr val="323232"/>
+                </a:solidFill>
+                <a:latin typeface="Nunito"/>
+                <a:ea typeface="Nunito"/>
+                <a:cs typeface="Nunito"/>
+                <a:sym typeface="Nunito"/>
+              </a:rPr>
+              <a:t>is the same as</a:t>
+            </a:r>
+            <a:r>
+              <a:rPr lang="zh-CN" sz="4500">
+                <a:solidFill>
+                  <a:srgbClr val="323232"/>
+                </a:solidFill>
+                <a:latin typeface="Nunito"/>
+                <a:ea typeface="Nunito"/>
+                <a:cs typeface="Nunito"/>
+                <a:sym typeface="Nunito"/>
+              </a:rPr>
+              <a:t> </a:t>
             </a:r>
             <a:r>
               <a:rPr lang="zh-CN" sz="4500">
@@ -29051,6 +29075,32 @@
                 <a:sym typeface="Nunito"/>
               </a:rPr>
               <a:t> statements if you want to embed more decision-making options.</a:t>
+            </a:r>
+            <a:endParaRPr sz="4500">
+              <a:solidFill>
+                <a:srgbClr val="323232"/>
+              </a:solidFill>
+              <a:latin typeface="Nunito"/>
+              <a:ea typeface="Nunito"/>
+              <a:cs typeface="Nunito"/>
+              <a:sym typeface="Nunito"/>
+            </a:endParaRPr>
+          </a:p>
+          <a:p>
+            <a:pPr indent="0" lvl="0" marL="0" marR="393700" rtl="0" algn="l">
+              <a:lnSpc>
+                <a:spcPct val="115000"/>
+              </a:lnSpc>
+              <a:spcBef>
+                <a:spcPts val="500"/>
+              </a:spcBef>
+              <a:spcAft>
+                <a:spcPts val="0"/>
+              </a:spcAft>
+              <a:buNone/>
+            </a:pPr>
+            <a:r>
+              <a:t/>
             </a:r>
             <a:endParaRPr sz="4500">
               <a:solidFill>
@@ -29366,9 +29416,9 @@
         <p:grpSpPr>
           <a:xfrm>
             <a:off x="2468880" y="2206650"/>
-            <a:ext cx="13731088" cy="2104416"/>
+            <a:ext cx="13731088" cy="2110949"/>
             <a:chOff x="3600000" y="3217795"/>
-            <a:chExt cx="20022000" cy="4252205"/>
+            <a:chExt cx="20022000" cy="4265405"/>
           </a:xfrm>
         </p:grpSpPr>
         <p:sp>
@@ -29540,9 +29590,9 @@
             <p:nvPr/>
           </p:nvCxnSpPr>
           <p:spPr>
-            <a:xfrm flipH="1">
-              <a:off x="9295950" y="7469700"/>
-              <a:ext cx="13906800" cy="300"/>
+            <a:xfrm rot="10800000">
+              <a:off x="9295950" y="7470000"/>
+              <a:ext cx="13965900" cy="13200"/>
             </a:xfrm>
             <a:prstGeom prst="straightConnector1">
               <a:avLst/>
@@ -30763,6 +30813,37 @@
               <a:buNone/>
             </a:pPr>
             <a:r>
+              <a:t/>
+            </a:r>
+            <a:endParaRPr sz="4500">
+              <a:solidFill>
+                <a:srgbClr val="323232"/>
+              </a:solidFill>
+              <a:latin typeface="Nunito"/>
+              <a:ea typeface="Nunito"/>
+              <a:cs typeface="Nunito"/>
+              <a:sym typeface="Nunito"/>
+            </a:endParaRPr>
+          </a:p>
+          <a:p>
+            <a:pPr indent="0" lvl="0" marL="495300" marR="393700" rtl="0" algn="l">
+              <a:lnSpc>
+                <a:spcPct val="115000"/>
+              </a:lnSpc>
+              <a:spcBef>
+                <a:spcPts val="500"/>
+              </a:spcBef>
+              <a:spcAft>
+                <a:spcPts val="0"/>
+              </a:spcAft>
+              <a:buClr>
+                <a:schemeClr val="dk1"/>
+              </a:buClr>
+              <a:buSzPts val="800"/>
+              <a:buFont typeface="Arial"/>
+              <a:buNone/>
+            </a:pPr>
+            <a:r>
               <a:rPr lang="zh-CN" sz="4500">
                 <a:solidFill>
                   <a:srgbClr val="323232"/>
@@ -30815,9 +30896,9 @@
         <p:grpSpPr>
           <a:xfrm>
             <a:off x="16199144" y="2206362"/>
-            <a:ext cx="13730341" cy="2104010"/>
+            <a:ext cx="13730341" cy="2103565"/>
             <a:chOff x="22953311" y="3217797"/>
-            <a:chExt cx="20690689" cy="4253103"/>
+            <a:chExt cx="20690689" cy="4252203"/>
           </a:xfrm>
         </p:grpSpPr>
         <p:sp>
@@ -30919,9 +31000,9 @@
             <p:nvPr/>
           </p:nvCxnSpPr>
           <p:spPr>
-            <a:xfrm flipH="1">
-              <a:off x="23494200" y="7468800"/>
-              <a:ext cx="14500800" cy="2100"/>
+            <a:xfrm rot="10800000">
+              <a:off x="23348100" y="7456800"/>
+              <a:ext cx="14646900" cy="12000"/>
             </a:xfrm>
             <a:prstGeom prst="straightConnector1">
               <a:avLst/>
@@ -31561,7 +31642,7 @@
             <a:tbl>
               <a:tblPr>
                 <a:noFill/>
-                <a:tableStyleId>{4971B404-599A-4559-87AE-12BD229D4ACA}</a:tableStyleId>
+                <a:tableStyleId>{ECE53D99-3DA3-4D30-A5ED-A5F6B61B6D38}</a:tableStyleId>
               </a:tblPr>
               <a:tblGrid>
                 <a:gridCol w="6526575"/>
@@ -33252,7 +33333,7 @@
             <a:tbl>
               <a:tblPr>
                 <a:noFill/>
-                <a:tableStyleId>{4971B404-599A-4559-87AE-12BD229D4ACA}</a:tableStyleId>
+                <a:tableStyleId>{ECE53D99-3DA3-4D30-A5ED-A5F6B61B6D38}</a:tableStyleId>
               </a:tblPr>
               <a:tblGrid>
                 <a:gridCol w="6526575"/>
@@ -36200,7 +36281,7 @@
               </a:rPr>
               <a:t> includes:</a:t>
             </a:r>
-            <a:endParaRPr sz="4500">
+            <a:endParaRPr sz="2100">
               <a:solidFill>
                 <a:srgbClr val="323232"/>
               </a:solidFill>
@@ -36211,38 +36292,12 @@
             </a:endParaRPr>
           </a:p>
           <a:p>
-            <a:pPr indent="0" lvl="0" marL="495300" rtl="0" algn="l">
-              <a:lnSpc>
-                <a:spcPct val="100000"/>
-              </a:lnSpc>
-              <a:spcBef>
-                <a:spcPts val="500"/>
-              </a:spcBef>
-              <a:spcAft>
-                <a:spcPts val="0"/>
-              </a:spcAft>
-              <a:buNone/>
-            </a:pPr>
-            <a:r>
-              <a:t/>
-            </a:r>
-            <a:endParaRPr sz="2100">
-              <a:solidFill>
-                <a:srgbClr val="323232"/>
-              </a:solidFill>
-              <a:latin typeface="Nunito"/>
-              <a:ea typeface="Nunito"/>
-              <a:cs typeface="Nunito"/>
-              <a:sym typeface="Nunito"/>
-            </a:endParaRPr>
-          </a:p>
-          <a:p>
             <a:pPr indent="-654050" lvl="0" marL="736600" rtl="0" algn="l">
               <a:lnSpc>
                 <a:spcPct val="100000"/>
               </a:lnSpc>
               <a:spcBef>
-                <a:spcPts val="500"/>
+                <a:spcPts val="0"/>
               </a:spcBef>
               <a:spcAft>
                 <a:spcPts val="0"/>
@@ -38282,7 +38337,7 @@
               </a:rPr>
               <a:t> includes:</a:t>
             </a:r>
-            <a:endParaRPr sz="4500">
+            <a:endParaRPr sz="2100">
               <a:solidFill>
                 <a:srgbClr val="323232"/>
               </a:solidFill>
@@ -38293,43 +38348,12 @@
             </a:endParaRPr>
           </a:p>
           <a:p>
-            <a:pPr indent="0" lvl="0" marL="495300" rtl="0" algn="l">
-              <a:lnSpc>
-                <a:spcPct val="100000"/>
-              </a:lnSpc>
-              <a:spcBef>
-                <a:spcPts val="500"/>
-              </a:spcBef>
-              <a:spcAft>
-                <a:spcPts val="0"/>
-              </a:spcAft>
-              <a:buClr>
-                <a:schemeClr val="dk1"/>
-              </a:buClr>
-              <a:buSzPts val="800"/>
-              <a:buFont typeface="Arial"/>
-              <a:buNone/>
-            </a:pPr>
-            <a:r>
-              <a:t/>
-            </a:r>
-            <a:endParaRPr sz="2100">
-              <a:solidFill>
-                <a:srgbClr val="323232"/>
-              </a:solidFill>
-              <a:latin typeface="Nunito"/>
-              <a:ea typeface="Nunito"/>
-              <a:cs typeface="Nunito"/>
-              <a:sym typeface="Nunito"/>
-            </a:endParaRPr>
-          </a:p>
-          <a:p>
             <a:pPr indent="-654050" lvl="0" marL="736600" rtl="0" algn="l">
               <a:lnSpc>
                 <a:spcPct val="100000"/>
               </a:lnSpc>
               <a:spcBef>
-                <a:spcPts val="500"/>
+                <a:spcPts val="0"/>
               </a:spcBef>
               <a:spcAft>
                 <a:spcPts val="0"/>
@@ -38670,9 +38694,9 @@
         <p:grpSpPr>
           <a:xfrm>
             <a:off x="16199144" y="2206362"/>
-            <a:ext cx="13730341" cy="2104010"/>
+            <a:ext cx="13730341" cy="2104159"/>
             <a:chOff x="22953311" y="3217797"/>
-            <a:chExt cx="20690689" cy="4253103"/>
+            <a:chExt cx="20690689" cy="4253403"/>
           </a:xfrm>
         </p:grpSpPr>
         <p:sp>
@@ -38775,8 +38799,8 @@
           </p:nvCxnSpPr>
           <p:spPr>
             <a:xfrm flipH="1">
-              <a:off x="23494200" y="7468800"/>
-              <a:ext cx="14500800" cy="2100"/>
+              <a:off x="23348100" y="7468800"/>
+              <a:ext cx="14646900" cy="2400"/>
             </a:xfrm>
             <a:prstGeom prst="straightConnector1">
               <a:avLst/>
@@ -38870,8 +38894,8 @@
         </p:nvSpPr>
         <p:spPr>
           <a:xfrm>
-            <a:off x="8152258" y="12335833"/>
-            <a:ext cx="6460200" cy="3288600"/>
+            <a:off x="8152249" y="12335825"/>
+            <a:ext cx="7402800" cy="3288600"/>
           </a:xfrm>
           <a:prstGeom prst="roundRect">
             <a:avLst>
@@ -39286,8 +39310,8 @@
         </p:nvSpPr>
         <p:spPr>
           <a:xfrm>
-            <a:off x="8152258" y="19623232"/>
-            <a:ext cx="6460200" cy="2963700"/>
+            <a:off x="8152249" y="19851825"/>
+            <a:ext cx="7100400" cy="2963700"/>
           </a:xfrm>
           <a:prstGeom prst="roundRect">
             <a:avLst>
@@ -39735,8 +39759,8 @@
         </p:nvSpPr>
         <p:spPr>
           <a:xfrm>
-            <a:off x="3037706" y="26585795"/>
-            <a:ext cx="12520800" cy="2361900"/>
+            <a:off x="3037700" y="26843275"/>
+            <a:ext cx="12228300" cy="2361900"/>
           </a:xfrm>
           <a:prstGeom prst="roundRect">
             <a:avLst>
@@ -40083,7 +40107,7 @@
         </p:nvSpPr>
         <p:spPr>
           <a:xfrm>
-            <a:off x="3331966" y="32317604"/>
+            <a:off x="3331966" y="32546204"/>
             <a:ext cx="11280600" cy="6504900"/>
           </a:xfrm>
           <a:prstGeom prst="roundRect">
@@ -41170,7 +41194,7 @@
         </p:nvSpPr>
         <p:spPr>
           <a:xfrm>
-            <a:off x="17134010" y="26585795"/>
+            <a:off x="17134000" y="26843675"/>
             <a:ext cx="12228300" cy="2361900"/>
           </a:xfrm>
           <a:prstGeom prst="roundRect">
@@ -41211,10 +41235,10 @@
                 <a:highlight>
                   <a:srgbClr val="323232"/>
                 </a:highlight>
-                <a:latin typeface="Courier New"/>
-                <a:ea typeface="Courier New"/>
-                <a:cs typeface="Courier New"/>
-                <a:sym typeface="Courier New"/>
+                <a:latin typeface="Consolas"/>
+                <a:ea typeface="Consolas"/>
+                <a:cs typeface="Consolas"/>
+                <a:sym typeface="Consolas"/>
               </a:rPr>
               <a:t>fruits </a:t>
             </a:r>
@@ -41226,10 +41250,10 @@
                 <a:highlight>
                   <a:srgbClr val="323232"/>
                 </a:highlight>
-                <a:latin typeface="Courier New"/>
-                <a:ea typeface="Courier New"/>
-                <a:cs typeface="Courier New"/>
-                <a:sym typeface="Courier New"/>
+                <a:latin typeface="Consolas"/>
+                <a:ea typeface="Consolas"/>
+                <a:cs typeface="Consolas"/>
+                <a:sym typeface="Consolas"/>
               </a:rPr>
               <a:t>=</a:t>
             </a:r>
@@ -41241,10 +41265,10 @@
                 <a:highlight>
                   <a:srgbClr val="323232"/>
                 </a:highlight>
-                <a:latin typeface="Courier New"/>
-                <a:ea typeface="Courier New"/>
-                <a:cs typeface="Courier New"/>
-                <a:sym typeface="Courier New"/>
+                <a:latin typeface="Consolas"/>
+                <a:ea typeface="Consolas"/>
+                <a:cs typeface="Consolas"/>
+                <a:sym typeface="Consolas"/>
               </a:rPr>
               <a:t> [</a:t>
             </a:r>
@@ -41256,10 +41280,10 @@
                 <a:highlight>
                   <a:srgbClr val="323232"/>
                 </a:highlight>
-                <a:latin typeface="Courier New"/>
-                <a:ea typeface="Courier New"/>
-                <a:cs typeface="Courier New"/>
-                <a:sym typeface="Courier New"/>
+                <a:latin typeface="Consolas"/>
+                <a:ea typeface="Consolas"/>
+                <a:cs typeface="Consolas"/>
+                <a:sym typeface="Consolas"/>
               </a:rPr>
               <a:t>'apple'</a:t>
             </a:r>
@@ -41271,10 +41295,10 @@
                 <a:highlight>
                   <a:srgbClr val="323232"/>
                 </a:highlight>
-                <a:latin typeface="Courier New"/>
-                <a:ea typeface="Courier New"/>
-                <a:cs typeface="Courier New"/>
-                <a:sym typeface="Courier New"/>
+                <a:latin typeface="Consolas"/>
+                <a:ea typeface="Consolas"/>
+                <a:cs typeface="Consolas"/>
+                <a:sym typeface="Consolas"/>
               </a:rPr>
               <a:t>, </a:t>
             </a:r>
@@ -41286,10 +41310,10 @@
                 <a:highlight>
                   <a:srgbClr val="323232"/>
                 </a:highlight>
-                <a:latin typeface="Courier New"/>
-                <a:ea typeface="Courier New"/>
-                <a:cs typeface="Courier New"/>
-                <a:sym typeface="Courier New"/>
+                <a:latin typeface="Consolas"/>
+                <a:ea typeface="Consolas"/>
+                <a:cs typeface="Consolas"/>
+                <a:sym typeface="Consolas"/>
               </a:rPr>
               <a:t>'banana'</a:t>
             </a:r>
@@ -41301,10 +41325,10 @@
                 <a:highlight>
                   <a:srgbClr val="323232"/>
                 </a:highlight>
-                <a:latin typeface="Courier New"/>
-                <a:ea typeface="Courier New"/>
-                <a:cs typeface="Courier New"/>
-                <a:sym typeface="Courier New"/>
+                <a:latin typeface="Consolas"/>
+                <a:ea typeface="Consolas"/>
+                <a:cs typeface="Consolas"/>
+                <a:sym typeface="Consolas"/>
               </a:rPr>
               <a:t>, </a:t>
             </a:r>
@@ -41316,10 +41340,10 @@
                 <a:highlight>
                   <a:srgbClr val="323232"/>
                 </a:highlight>
-                <a:latin typeface="Courier New"/>
-                <a:ea typeface="Courier New"/>
-                <a:cs typeface="Courier New"/>
-                <a:sym typeface="Courier New"/>
+                <a:latin typeface="Consolas"/>
+                <a:ea typeface="Consolas"/>
+                <a:cs typeface="Consolas"/>
+                <a:sym typeface="Consolas"/>
               </a:rPr>
               <a:t>'orange'</a:t>
             </a:r>
@@ -41331,10 +41355,10 @@
                 <a:highlight>
                   <a:srgbClr val="323232"/>
                 </a:highlight>
-                <a:latin typeface="Courier New"/>
-                <a:ea typeface="Courier New"/>
-                <a:cs typeface="Courier New"/>
-                <a:sym typeface="Courier New"/>
+                <a:latin typeface="Consolas"/>
+                <a:ea typeface="Consolas"/>
+                <a:cs typeface="Consolas"/>
+                <a:sym typeface="Consolas"/>
               </a:rPr>
               <a:t>]</a:t>
             </a:r>
@@ -41345,10 +41369,10 @@
               <a:highlight>
                 <a:srgbClr val="323232"/>
               </a:highlight>
-              <a:latin typeface="Courier New"/>
-              <a:ea typeface="Courier New"/>
-              <a:cs typeface="Courier New"/>
-              <a:sym typeface="Courier New"/>
+              <a:latin typeface="Consolas"/>
+              <a:ea typeface="Consolas"/>
+              <a:cs typeface="Consolas"/>
+              <a:sym typeface="Consolas"/>
             </a:endParaRPr>
           </a:p>
           <a:p>
@@ -41372,10 +41396,10 @@
                 <a:highlight>
                   <a:srgbClr val="323232"/>
                 </a:highlight>
-                <a:latin typeface="Courier New"/>
-                <a:ea typeface="Courier New"/>
-                <a:cs typeface="Courier New"/>
-                <a:sym typeface="Courier New"/>
+                <a:latin typeface="Consolas"/>
+                <a:ea typeface="Consolas"/>
+                <a:cs typeface="Consolas"/>
+                <a:sym typeface="Consolas"/>
               </a:rPr>
               <a:t>for</a:t>
             </a:r>
@@ -41387,10 +41411,10 @@
                 <a:highlight>
                   <a:srgbClr val="323232"/>
                 </a:highlight>
-                <a:latin typeface="Courier New"/>
-                <a:ea typeface="Courier New"/>
-                <a:cs typeface="Courier New"/>
-                <a:sym typeface="Courier New"/>
+                <a:latin typeface="Consolas"/>
+                <a:ea typeface="Consolas"/>
+                <a:cs typeface="Consolas"/>
+                <a:sym typeface="Consolas"/>
               </a:rPr>
               <a:t> fruit </a:t>
             </a:r>
@@ -41402,10 +41426,10 @@
                 <a:highlight>
                   <a:srgbClr val="323232"/>
                 </a:highlight>
-                <a:latin typeface="Courier New"/>
-                <a:ea typeface="Courier New"/>
-                <a:cs typeface="Courier New"/>
-                <a:sym typeface="Courier New"/>
+                <a:latin typeface="Consolas"/>
+                <a:ea typeface="Consolas"/>
+                <a:cs typeface="Consolas"/>
+                <a:sym typeface="Consolas"/>
               </a:rPr>
               <a:t>in</a:t>
             </a:r>
@@ -41417,10 +41441,10 @@
                 <a:highlight>
                   <a:srgbClr val="323232"/>
                 </a:highlight>
-                <a:latin typeface="Courier New"/>
-                <a:ea typeface="Courier New"/>
-                <a:cs typeface="Courier New"/>
-                <a:sym typeface="Courier New"/>
+                <a:latin typeface="Consolas"/>
+                <a:ea typeface="Consolas"/>
+                <a:cs typeface="Consolas"/>
+                <a:sym typeface="Consolas"/>
               </a:rPr>
               <a:t> fruits:</a:t>
             </a:r>
@@ -41431,10 +41455,10 @@
               <a:highlight>
                 <a:srgbClr val="323232"/>
               </a:highlight>
-              <a:latin typeface="Courier New"/>
-              <a:ea typeface="Courier New"/>
-              <a:cs typeface="Courier New"/>
-              <a:sym typeface="Courier New"/>
+              <a:latin typeface="Consolas"/>
+              <a:ea typeface="Consolas"/>
+              <a:cs typeface="Consolas"/>
+              <a:sym typeface="Consolas"/>
             </a:endParaRPr>
           </a:p>
           <a:p>
@@ -41458,10 +41482,10 @@
                 <a:highlight>
                   <a:srgbClr val="323232"/>
                 </a:highlight>
-                <a:latin typeface="Courier New"/>
-                <a:ea typeface="Courier New"/>
-                <a:cs typeface="Courier New"/>
-                <a:sym typeface="Courier New"/>
+                <a:latin typeface="Consolas"/>
+                <a:ea typeface="Consolas"/>
+                <a:cs typeface="Consolas"/>
+                <a:sym typeface="Consolas"/>
               </a:rPr>
               <a:t>    </a:t>
             </a:r>
@@ -41473,10 +41497,10 @@
                 <a:highlight>
                   <a:srgbClr val="323232"/>
                 </a:highlight>
-                <a:latin typeface="Courier New"/>
-                <a:ea typeface="Courier New"/>
-                <a:cs typeface="Courier New"/>
-                <a:sym typeface="Courier New"/>
+                <a:latin typeface="Consolas"/>
+                <a:ea typeface="Consolas"/>
+                <a:cs typeface="Consolas"/>
+                <a:sym typeface="Consolas"/>
               </a:rPr>
               <a:t>print</a:t>
             </a:r>
@@ -41488,10 +41512,10 @@
                 <a:highlight>
                   <a:srgbClr val="323232"/>
                 </a:highlight>
-                <a:latin typeface="Courier New"/>
-                <a:ea typeface="Courier New"/>
-                <a:cs typeface="Courier New"/>
-                <a:sym typeface="Courier New"/>
+                <a:latin typeface="Consolas"/>
+                <a:ea typeface="Consolas"/>
+                <a:cs typeface="Consolas"/>
+                <a:sym typeface="Consolas"/>
               </a:rPr>
               <a:t>(fruit)</a:t>
             </a:r>
@@ -41502,10 +41526,10 @@
               <a:highlight>
                 <a:srgbClr val="323232"/>
               </a:highlight>
-              <a:latin typeface="Courier New"/>
-              <a:ea typeface="Courier New"/>
-              <a:cs typeface="Courier New"/>
-              <a:sym typeface="Courier New"/>
+              <a:latin typeface="Consolas"/>
+              <a:ea typeface="Consolas"/>
+              <a:cs typeface="Consolas"/>
+              <a:sym typeface="Consolas"/>
             </a:endParaRPr>
           </a:p>
         </p:txBody>
@@ -41518,7 +41542,7 @@
         </p:nvSpPr>
         <p:spPr>
           <a:xfrm>
-            <a:off x="17134010" y="32317604"/>
+            <a:off x="17134010" y="32546204"/>
             <a:ext cx="12228300" cy="6504900"/>
           </a:xfrm>
           <a:prstGeom prst="roundRect">
@@ -41606,10 +41630,10 @@
                 <a:highlight>
                   <a:srgbClr val="323232"/>
                 </a:highlight>
-                <a:latin typeface="Courier New"/>
-                <a:ea typeface="Courier New"/>
-                <a:cs typeface="Courier New"/>
-                <a:sym typeface="Courier New"/>
+                <a:latin typeface="Consolas"/>
+                <a:ea typeface="Consolas"/>
+                <a:cs typeface="Consolas"/>
+                <a:sym typeface="Consolas"/>
               </a:rPr>
               <a:t>def </a:t>
             </a:r>
@@ -41621,10 +41645,10 @@
                 <a:highlight>
                   <a:srgbClr val="323232"/>
                 </a:highlight>
-                <a:latin typeface="Courier New"/>
-                <a:ea typeface="Courier New"/>
-                <a:cs typeface="Courier New"/>
-                <a:sym typeface="Courier New"/>
+                <a:latin typeface="Consolas"/>
+                <a:ea typeface="Consolas"/>
+                <a:cs typeface="Consolas"/>
+                <a:sym typeface="Consolas"/>
               </a:rPr>
               <a:t>mean</a:t>
             </a:r>
@@ -41636,10 +41660,10 @@
                 <a:highlight>
                   <a:srgbClr val="323232"/>
                 </a:highlight>
-                <a:latin typeface="Courier New"/>
-                <a:ea typeface="Courier New"/>
-                <a:cs typeface="Courier New"/>
-                <a:sym typeface="Courier New"/>
+                <a:latin typeface="Consolas"/>
+                <a:ea typeface="Consolas"/>
+                <a:cs typeface="Consolas"/>
+                <a:sym typeface="Consolas"/>
               </a:rPr>
               <a:t>(</a:t>
             </a:r>
@@ -41651,10 +41675,10 @@
                 <a:highlight>
                   <a:srgbClr val="323232"/>
                 </a:highlight>
-                <a:latin typeface="Courier New"/>
-                <a:ea typeface="Courier New"/>
-                <a:cs typeface="Courier New"/>
-                <a:sym typeface="Courier New"/>
+                <a:latin typeface="Consolas"/>
+                <a:ea typeface="Consolas"/>
+                <a:cs typeface="Consolas"/>
+                <a:sym typeface="Consolas"/>
               </a:rPr>
               <a:t>a</a:t>
             </a:r>
@@ -41666,10 +41690,10 @@
                 <a:highlight>
                   <a:srgbClr val="323232"/>
                 </a:highlight>
-                <a:latin typeface="Courier New"/>
-                <a:ea typeface="Courier New"/>
-                <a:cs typeface="Courier New"/>
-                <a:sym typeface="Courier New"/>
+                <a:latin typeface="Consolas"/>
+                <a:ea typeface="Consolas"/>
+                <a:cs typeface="Consolas"/>
+                <a:sym typeface="Consolas"/>
               </a:rPr>
               <a:t>, </a:t>
             </a:r>
@@ -41681,10 +41705,10 @@
                 <a:highlight>
                   <a:srgbClr val="323232"/>
                 </a:highlight>
-                <a:latin typeface="Courier New"/>
-                <a:ea typeface="Courier New"/>
-                <a:cs typeface="Courier New"/>
-                <a:sym typeface="Courier New"/>
+                <a:latin typeface="Consolas"/>
+                <a:ea typeface="Consolas"/>
+                <a:cs typeface="Consolas"/>
+                <a:sym typeface="Consolas"/>
               </a:rPr>
               <a:t>b</a:t>
             </a:r>
@@ -41696,10 +41720,10 @@
                 <a:highlight>
                   <a:srgbClr val="323232"/>
                 </a:highlight>
-                <a:latin typeface="Courier New"/>
-                <a:ea typeface="Courier New"/>
-                <a:cs typeface="Courier New"/>
-                <a:sym typeface="Courier New"/>
+                <a:latin typeface="Consolas"/>
+                <a:ea typeface="Consolas"/>
+                <a:cs typeface="Consolas"/>
+                <a:sym typeface="Consolas"/>
               </a:rPr>
               <a:t>):</a:t>
             </a:r>
@@ -41710,10 +41734,10 @@
               <a:highlight>
                 <a:srgbClr val="323232"/>
               </a:highlight>
-              <a:latin typeface="Courier New"/>
-              <a:ea typeface="Courier New"/>
-              <a:cs typeface="Courier New"/>
-              <a:sym typeface="Courier New"/>
+              <a:latin typeface="Consolas"/>
+              <a:ea typeface="Consolas"/>
+              <a:cs typeface="Consolas"/>
+              <a:sym typeface="Consolas"/>
             </a:endParaRPr>
           </a:p>
           <a:p>
@@ -41737,10 +41761,10 @@
                 <a:highlight>
                   <a:srgbClr val="323232"/>
                 </a:highlight>
-                <a:latin typeface="Courier New"/>
-                <a:ea typeface="Courier New"/>
-                <a:cs typeface="Courier New"/>
-                <a:sym typeface="Courier New"/>
+                <a:latin typeface="Consolas"/>
+                <a:ea typeface="Consolas"/>
+                <a:cs typeface="Consolas"/>
+                <a:sym typeface="Consolas"/>
               </a:rPr>
               <a:t>    mn </a:t>
             </a:r>
@@ -41752,10 +41776,10 @@
                 <a:highlight>
                   <a:srgbClr val="323232"/>
                 </a:highlight>
-                <a:latin typeface="Courier New"/>
-                <a:ea typeface="Courier New"/>
-                <a:cs typeface="Courier New"/>
-                <a:sym typeface="Courier New"/>
+                <a:latin typeface="Consolas"/>
+                <a:ea typeface="Consolas"/>
+                <a:cs typeface="Consolas"/>
+                <a:sym typeface="Consolas"/>
               </a:rPr>
               <a:t>=</a:t>
             </a:r>
@@ -41767,10 +41791,10 @@
                 <a:highlight>
                   <a:srgbClr val="323232"/>
                 </a:highlight>
-                <a:latin typeface="Courier New"/>
-                <a:ea typeface="Courier New"/>
-                <a:cs typeface="Courier New"/>
-                <a:sym typeface="Courier New"/>
+                <a:latin typeface="Consolas"/>
+                <a:ea typeface="Consolas"/>
+                <a:cs typeface="Consolas"/>
+                <a:sym typeface="Consolas"/>
               </a:rPr>
               <a:t> (a </a:t>
             </a:r>
@@ -41782,10 +41806,10 @@
                 <a:highlight>
                   <a:srgbClr val="323232"/>
                 </a:highlight>
-                <a:latin typeface="Courier New"/>
-                <a:ea typeface="Courier New"/>
-                <a:cs typeface="Courier New"/>
-                <a:sym typeface="Courier New"/>
+                <a:latin typeface="Consolas"/>
+                <a:ea typeface="Consolas"/>
+                <a:cs typeface="Consolas"/>
+                <a:sym typeface="Consolas"/>
               </a:rPr>
               <a:t>+</a:t>
             </a:r>
@@ -41797,10 +41821,10 @@
                 <a:highlight>
                   <a:srgbClr val="323232"/>
                 </a:highlight>
-                <a:latin typeface="Courier New"/>
-                <a:ea typeface="Courier New"/>
-                <a:cs typeface="Courier New"/>
-                <a:sym typeface="Courier New"/>
+                <a:latin typeface="Consolas"/>
+                <a:ea typeface="Consolas"/>
+                <a:cs typeface="Consolas"/>
+                <a:sym typeface="Consolas"/>
               </a:rPr>
               <a:t> b) </a:t>
             </a:r>
@@ -41812,10 +41836,10 @@
                 <a:highlight>
                   <a:srgbClr val="323232"/>
                 </a:highlight>
-                <a:latin typeface="Courier New"/>
-                <a:ea typeface="Courier New"/>
-                <a:cs typeface="Courier New"/>
-                <a:sym typeface="Courier New"/>
+                <a:latin typeface="Consolas"/>
+                <a:ea typeface="Consolas"/>
+                <a:cs typeface="Consolas"/>
+                <a:sym typeface="Consolas"/>
               </a:rPr>
               <a:t>/</a:t>
             </a:r>
@@ -41827,10 +41851,10 @@
                 <a:highlight>
                   <a:srgbClr val="323232"/>
                 </a:highlight>
-                <a:latin typeface="Courier New"/>
-                <a:ea typeface="Courier New"/>
-                <a:cs typeface="Courier New"/>
-                <a:sym typeface="Courier New"/>
+                <a:latin typeface="Consolas"/>
+                <a:ea typeface="Consolas"/>
+                <a:cs typeface="Consolas"/>
+                <a:sym typeface="Consolas"/>
               </a:rPr>
               <a:t> </a:t>
             </a:r>
@@ -41842,10 +41866,10 @@
                 <a:highlight>
                   <a:srgbClr val="323232"/>
                 </a:highlight>
-                <a:latin typeface="Courier New"/>
-                <a:ea typeface="Courier New"/>
-                <a:cs typeface="Courier New"/>
-                <a:sym typeface="Courier New"/>
+                <a:latin typeface="Consolas"/>
+                <a:ea typeface="Consolas"/>
+                <a:cs typeface="Consolas"/>
+                <a:sym typeface="Consolas"/>
               </a:rPr>
               <a:t>2</a:t>
             </a:r>
@@ -41856,10 +41880,10 @@
               <a:highlight>
                 <a:srgbClr val="323232"/>
               </a:highlight>
-              <a:latin typeface="Courier New"/>
-              <a:ea typeface="Courier New"/>
-              <a:cs typeface="Courier New"/>
-              <a:sym typeface="Courier New"/>
+              <a:latin typeface="Consolas"/>
+              <a:ea typeface="Consolas"/>
+              <a:cs typeface="Consolas"/>
+              <a:sym typeface="Consolas"/>
             </a:endParaRPr>
           </a:p>
           <a:p>
@@ -41883,10 +41907,10 @@
                 <a:highlight>
                   <a:srgbClr val="323232"/>
                 </a:highlight>
-                <a:latin typeface="Courier New"/>
-                <a:ea typeface="Courier New"/>
-                <a:cs typeface="Courier New"/>
-                <a:sym typeface="Courier New"/>
+                <a:latin typeface="Consolas"/>
+                <a:ea typeface="Consolas"/>
+                <a:cs typeface="Consolas"/>
+                <a:sym typeface="Consolas"/>
               </a:rPr>
               <a:t>    </a:t>
             </a:r>
@@ -41898,10 +41922,10 @@
                 <a:highlight>
                   <a:srgbClr val="323232"/>
                 </a:highlight>
-                <a:latin typeface="Courier New"/>
-                <a:ea typeface="Courier New"/>
-                <a:cs typeface="Courier New"/>
-                <a:sym typeface="Courier New"/>
+                <a:latin typeface="Consolas"/>
+                <a:ea typeface="Consolas"/>
+                <a:cs typeface="Consolas"/>
+                <a:sym typeface="Consolas"/>
               </a:rPr>
               <a:t>return</a:t>
             </a:r>
@@ -41913,10 +41937,10 @@
                 <a:highlight>
                   <a:srgbClr val="323232"/>
                 </a:highlight>
-                <a:latin typeface="Courier New"/>
-                <a:ea typeface="Courier New"/>
-                <a:cs typeface="Courier New"/>
-                <a:sym typeface="Courier New"/>
+                <a:latin typeface="Consolas"/>
+                <a:ea typeface="Consolas"/>
+                <a:cs typeface="Consolas"/>
+                <a:sym typeface="Consolas"/>
               </a:rPr>
               <a:t> mn</a:t>
             </a:r>
@@ -41927,10 +41951,10 @@
               <a:highlight>
                 <a:srgbClr val="323232"/>
               </a:highlight>
-              <a:latin typeface="Courier New"/>
-              <a:ea typeface="Courier New"/>
-              <a:cs typeface="Courier New"/>
-              <a:sym typeface="Courier New"/>
+              <a:latin typeface="Consolas"/>
+              <a:ea typeface="Consolas"/>
+              <a:cs typeface="Consolas"/>
+              <a:sym typeface="Consolas"/>
             </a:endParaRPr>
           </a:p>
           <a:p>
@@ -41956,10 +41980,10 @@
               <a:highlight>
                 <a:srgbClr val="323232"/>
               </a:highlight>
-              <a:latin typeface="Courier New"/>
-              <a:ea typeface="Courier New"/>
-              <a:cs typeface="Courier New"/>
-              <a:sym typeface="Courier New"/>
+              <a:latin typeface="Consolas"/>
+              <a:ea typeface="Consolas"/>
+              <a:cs typeface="Consolas"/>
+              <a:sym typeface="Consolas"/>
             </a:endParaRPr>
           </a:p>
           <a:p>
@@ -41985,10 +42009,10 @@
               <a:highlight>
                 <a:srgbClr val="323232"/>
               </a:highlight>
-              <a:latin typeface="Courier New"/>
-              <a:ea typeface="Courier New"/>
-              <a:cs typeface="Courier New"/>
-              <a:sym typeface="Courier New"/>
+              <a:latin typeface="Consolas"/>
+              <a:ea typeface="Consolas"/>
+              <a:cs typeface="Consolas"/>
+              <a:sym typeface="Consolas"/>
             </a:endParaRPr>
           </a:p>
           <a:p>
@@ -42014,10 +42038,10 @@
               <a:highlight>
                 <a:srgbClr val="323232"/>
               </a:highlight>
-              <a:latin typeface="Courier New"/>
-              <a:ea typeface="Courier New"/>
-              <a:cs typeface="Courier New"/>
-              <a:sym typeface="Courier New"/>
+              <a:latin typeface="Consolas"/>
+              <a:ea typeface="Consolas"/>
+              <a:cs typeface="Consolas"/>
+              <a:sym typeface="Consolas"/>
             </a:endParaRPr>
           </a:p>
           <a:p>
@@ -42054,10 +42078,10 @@
               <a:highlight>
                 <a:srgbClr val="323232"/>
               </a:highlight>
-              <a:latin typeface="Courier New"/>
-              <a:ea typeface="Courier New"/>
-              <a:cs typeface="Courier New"/>
-              <a:sym typeface="Courier New"/>
+              <a:latin typeface="Consolas"/>
+              <a:ea typeface="Consolas"/>
+              <a:cs typeface="Consolas"/>
+              <a:sym typeface="Consolas"/>
             </a:endParaRPr>
           </a:p>
           <a:p>
@@ -42081,10 +42105,10 @@
                 <a:highlight>
                   <a:srgbClr val="323232"/>
                 </a:highlight>
-                <a:latin typeface="Courier New"/>
-                <a:ea typeface="Courier New"/>
-                <a:cs typeface="Courier New"/>
-                <a:sym typeface="Courier New"/>
+                <a:latin typeface="Consolas"/>
+                <a:ea typeface="Consolas"/>
+                <a:cs typeface="Consolas"/>
+                <a:sym typeface="Consolas"/>
               </a:rPr>
               <a:t>mn1 </a:t>
             </a:r>
@@ -42096,10 +42120,10 @@
                 <a:highlight>
                   <a:srgbClr val="323232"/>
                 </a:highlight>
-                <a:latin typeface="Courier New"/>
-                <a:ea typeface="Courier New"/>
-                <a:cs typeface="Courier New"/>
-                <a:sym typeface="Courier New"/>
+                <a:latin typeface="Consolas"/>
+                <a:ea typeface="Consolas"/>
+                <a:cs typeface="Consolas"/>
+                <a:sym typeface="Consolas"/>
               </a:rPr>
               <a:t>=</a:t>
             </a:r>
@@ -42111,10 +42135,10 @@
                 <a:highlight>
                   <a:srgbClr val="323232"/>
                 </a:highlight>
-                <a:latin typeface="Courier New"/>
-                <a:ea typeface="Courier New"/>
-                <a:cs typeface="Courier New"/>
-                <a:sym typeface="Courier New"/>
+                <a:latin typeface="Consolas"/>
+                <a:ea typeface="Consolas"/>
+                <a:cs typeface="Consolas"/>
+                <a:sym typeface="Consolas"/>
               </a:rPr>
               <a:t> mean(</a:t>
             </a:r>
@@ -42126,10 +42150,10 @@
                 <a:highlight>
                   <a:srgbClr val="323232"/>
                 </a:highlight>
-                <a:latin typeface="Courier New"/>
-                <a:ea typeface="Courier New"/>
-                <a:cs typeface="Courier New"/>
-                <a:sym typeface="Courier New"/>
+                <a:latin typeface="Consolas"/>
+                <a:ea typeface="Consolas"/>
+                <a:cs typeface="Consolas"/>
+                <a:sym typeface="Consolas"/>
               </a:rPr>
               <a:t>5</a:t>
             </a:r>
@@ -42141,10 +42165,10 @@
                 <a:highlight>
                   <a:srgbClr val="323232"/>
                 </a:highlight>
-                <a:latin typeface="Courier New"/>
-                <a:ea typeface="Courier New"/>
-                <a:cs typeface="Courier New"/>
-                <a:sym typeface="Courier New"/>
+                <a:latin typeface="Consolas"/>
+                <a:ea typeface="Consolas"/>
+                <a:cs typeface="Consolas"/>
+                <a:sym typeface="Consolas"/>
               </a:rPr>
               <a:t>, </a:t>
             </a:r>
@@ -42156,10 +42180,10 @@
                 <a:highlight>
                   <a:srgbClr val="323232"/>
                 </a:highlight>
-                <a:latin typeface="Courier New"/>
-                <a:ea typeface="Courier New"/>
-                <a:cs typeface="Courier New"/>
-                <a:sym typeface="Courier New"/>
+                <a:latin typeface="Consolas"/>
+                <a:ea typeface="Consolas"/>
+                <a:cs typeface="Consolas"/>
+                <a:sym typeface="Consolas"/>
               </a:rPr>
               <a:t>6</a:t>
             </a:r>
@@ -42171,10 +42195,10 @@
                 <a:highlight>
                   <a:srgbClr val="323232"/>
                 </a:highlight>
-                <a:latin typeface="Courier New"/>
-                <a:ea typeface="Courier New"/>
-                <a:cs typeface="Courier New"/>
-                <a:sym typeface="Courier New"/>
+                <a:latin typeface="Consolas"/>
+                <a:ea typeface="Consolas"/>
+                <a:cs typeface="Consolas"/>
+                <a:sym typeface="Consolas"/>
               </a:rPr>
               <a:t>)</a:t>
             </a:r>
@@ -42185,10 +42209,10 @@
               <a:highlight>
                 <a:srgbClr val="323232"/>
               </a:highlight>
-              <a:latin typeface="Courier New"/>
-              <a:ea typeface="Courier New"/>
-              <a:cs typeface="Courier New"/>
-              <a:sym typeface="Courier New"/>
+              <a:latin typeface="Consolas"/>
+              <a:ea typeface="Consolas"/>
+              <a:cs typeface="Consolas"/>
+              <a:sym typeface="Consolas"/>
             </a:endParaRPr>
           </a:p>
           <a:p>
@@ -42214,10 +42238,10 @@
               <a:highlight>
                 <a:srgbClr val="323232"/>
               </a:highlight>
-              <a:latin typeface="Courier New"/>
-              <a:ea typeface="Courier New"/>
-              <a:cs typeface="Courier New"/>
-              <a:sym typeface="Courier New"/>
+              <a:latin typeface="Consolas"/>
+              <a:ea typeface="Consolas"/>
+              <a:cs typeface="Consolas"/>
+              <a:sym typeface="Consolas"/>
             </a:endParaRPr>
           </a:p>
         </p:txBody>
@@ -42225,66 +42249,6 @@
       <p:sp>
         <p:nvSpPr>
           <p:cNvPr id="262" name="Google Shape;262;p18"/>
-          <p:cNvSpPr/>
-          <p:nvPr/>
-        </p:nvSpPr>
-        <p:spPr>
-          <a:xfrm>
-            <a:off x="10243849" y="2468605"/>
-            <a:ext cx="12228300" cy="1188900"/>
-          </a:xfrm>
-          <a:prstGeom prst="roundRect">
-            <a:avLst>
-              <a:gd fmla="val 16667" name="adj"/>
-            </a:avLst>
-          </a:prstGeom>
-          <a:noFill/>
-          <a:ln>
-            <a:noFill/>
-          </a:ln>
-        </p:spPr>
-        <p:txBody>
-          <a:bodyPr anchorCtr="0" anchor="ctr" bIns="62700" lIns="62700" spcFirstLastPara="1" rIns="62700" wrap="square" tIns="62700">
-            <a:noAutofit/>
-          </a:bodyPr>
-          <a:lstStyle/>
-          <a:p>
-            <a:pPr indent="0" lvl="0" marL="317500" rtl="0" algn="ctr">
-              <a:spcBef>
-                <a:spcPts val="0"/>
-              </a:spcBef>
-              <a:spcAft>
-                <a:spcPts val="0"/>
-              </a:spcAft>
-              <a:buNone/>
-            </a:pPr>
-            <a:r>
-              <a:rPr lang="zh-CN" sz="10300">
-                <a:solidFill>
-                  <a:srgbClr val="A6192E"/>
-                </a:solidFill>
-                <a:latin typeface="Nunito"/>
-                <a:ea typeface="Nunito"/>
-                <a:cs typeface="Nunito"/>
-                <a:sym typeface="Nunito"/>
-              </a:rPr>
-              <a:t>Program Syntax</a:t>
-            </a:r>
-            <a:endParaRPr sz="10300">
-              <a:solidFill>
-                <a:srgbClr val="A6192E"/>
-              </a:solidFill>
-              <a:latin typeface="Nunito"/>
-              <a:ea typeface="Nunito"/>
-              <a:cs typeface="Nunito"/>
-              <a:sym typeface="Nunito"/>
-            </a:endParaRPr>
-          </a:p>
-        </p:txBody>
-      </p:sp>
-      <p:sp>
-        <p:nvSpPr>
-          <p:cNvPr id="263" name="Google Shape;263;p18"/>
           <p:cNvSpPr/>
           <p:nvPr/>
         </p:nvSpPr>
@@ -43274,7 +43238,7 @@
       </p:sp>
       <p:sp>
         <p:nvSpPr>
-          <p:cNvPr id="264" name="Google Shape;264;p18"/>
+          <p:cNvPr id="263" name="Google Shape;263;p18"/>
           <p:cNvSpPr/>
           <p:nvPr/>
         </p:nvSpPr>
@@ -44024,21 +43988,21 @@
       </p:sp>
       <p:grpSp>
         <p:nvGrpSpPr>
-          <p:cNvPr id="265" name="Google Shape;265;p18"/>
+          <p:cNvPr id="264" name="Google Shape;264;p18"/>
           <p:cNvGrpSpPr/>
           <p:nvPr/>
         </p:nvGrpSpPr>
         <p:grpSpPr>
           <a:xfrm>
             <a:off x="2468880" y="2206650"/>
-            <a:ext cx="13731088" cy="2104420"/>
+            <a:ext cx="13731088" cy="2110949"/>
             <a:chOff x="3600000" y="3217795"/>
-            <a:chExt cx="20022000" cy="4252212"/>
+            <a:chExt cx="20022000" cy="4265405"/>
           </a:xfrm>
         </p:grpSpPr>
         <p:sp>
           <p:nvSpPr>
-            <p:cNvPr id="266" name="Google Shape;266;p18"/>
+            <p:cNvPr id="265" name="Google Shape;265;p18"/>
             <p:cNvSpPr/>
             <p:nvPr/>
           </p:nvSpPr>
@@ -44081,7 +44045,7 @@
         </p:sp>
         <p:sp>
           <p:nvSpPr>
-            <p:cNvPr id="267" name="Google Shape;267;p18"/>
+            <p:cNvPr id="266" name="Google Shape;266;p18"/>
             <p:cNvSpPr/>
             <p:nvPr/>
           </p:nvSpPr>
@@ -44149,16 +44113,16 @@
         </p:sp>
         <p:cxnSp>
           <p:nvCxnSpPr>
-            <p:cNvPr id="268" name="Google Shape;268;p18"/>
+            <p:cNvPr id="267" name="Google Shape;267;p18"/>
             <p:cNvCxnSpPr>
-              <a:endCxn id="267" idx="2"/>
+              <a:endCxn id="266" idx="2"/>
             </p:cNvCxnSpPr>
             <p:nvPr/>
           </p:nvCxnSpPr>
           <p:spPr>
-            <a:xfrm flipH="1">
-              <a:off x="9295950" y="7469700"/>
-              <a:ext cx="13906800" cy="300"/>
+            <a:xfrm rot="10800000">
+              <a:off x="9295950" y="7470000"/>
+              <a:ext cx="13965900" cy="13200"/>
             </a:xfrm>
             <a:prstGeom prst="straightConnector1">
               <a:avLst/>
@@ -44177,7 +44141,7 @@
         </p:cxnSp>
         <p:sp>
           <p:nvSpPr>
-            <p:cNvPr id="269" name="Google Shape;269;p18"/>
+            <p:cNvPr id="268" name="Google Shape;268;p18"/>
             <p:cNvSpPr/>
             <p:nvPr/>
           </p:nvSpPr>
@@ -44227,7 +44191,7 @@
       </p:grpSp>
       <p:sp>
         <p:nvSpPr>
-          <p:cNvPr id="270" name="Google Shape;270;p18"/>
+          <p:cNvPr id="269" name="Google Shape;269;p18"/>
           <p:cNvSpPr/>
           <p:nvPr/>
         </p:nvSpPr>
@@ -44270,7 +44234,7 @@
       </p:sp>
       <p:sp>
         <p:nvSpPr>
-          <p:cNvPr id="271" name="Google Shape;271;p18"/>
+          <p:cNvPr id="270" name="Google Shape;270;p18"/>
           <p:cNvSpPr/>
           <p:nvPr/>
         </p:nvSpPr>
@@ -44308,6 +44272,66 @@
               <a:t/>
             </a:r>
             <a:endParaRPr/>
+          </a:p>
+        </p:txBody>
+      </p:sp>
+      <p:sp>
+        <p:nvSpPr>
+          <p:cNvPr id="271" name="Google Shape;271;p18"/>
+          <p:cNvSpPr/>
+          <p:nvPr/>
+        </p:nvSpPr>
+        <p:spPr>
+          <a:xfrm>
+            <a:off x="10243849" y="2468605"/>
+            <a:ext cx="12228300" cy="1188900"/>
+          </a:xfrm>
+          <a:prstGeom prst="roundRect">
+            <a:avLst>
+              <a:gd fmla="val 16667" name="adj"/>
+            </a:avLst>
+          </a:prstGeom>
+          <a:noFill/>
+          <a:ln>
+            <a:noFill/>
+          </a:ln>
+        </p:spPr>
+        <p:txBody>
+          <a:bodyPr anchorCtr="0" anchor="ctr" bIns="62700" lIns="62700" spcFirstLastPara="1" rIns="62700" wrap="square" tIns="62700">
+            <a:noAutofit/>
+          </a:bodyPr>
+          <a:lstStyle/>
+          <a:p>
+            <a:pPr indent="0" lvl="0" marL="317500" rtl="0" algn="ctr">
+              <a:spcBef>
+                <a:spcPts val="0"/>
+              </a:spcBef>
+              <a:spcAft>
+                <a:spcPts val="0"/>
+              </a:spcAft>
+              <a:buNone/>
+            </a:pPr>
+            <a:r>
+              <a:rPr lang="zh-CN" sz="10300">
+                <a:solidFill>
+                  <a:srgbClr val="A6192E"/>
+                </a:solidFill>
+                <a:latin typeface="Nunito"/>
+                <a:ea typeface="Nunito"/>
+                <a:cs typeface="Nunito"/>
+                <a:sym typeface="Nunito"/>
+              </a:rPr>
+              <a:t>Program Syntax</a:t>
+            </a:r>
+            <a:endParaRPr sz="10300">
+              <a:solidFill>
+                <a:srgbClr val="A6192E"/>
+              </a:solidFill>
+              <a:latin typeface="Nunito"/>
+              <a:ea typeface="Nunito"/>
+              <a:cs typeface="Nunito"/>
+              <a:sym typeface="Nunito"/>
+            </a:endParaRPr>
           </a:p>
         </p:txBody>
       </p:sp>

--- a/pdf.pptx
+++ b/pdf.pptx
@@ -7156,8 +7156,8 @@
         </p:nvSpPr>
         <p:spPr>
           <a:xfrm>
-            <a:off x="2468885" y="16970459"/>
-            <a:ext cx="12744000" cy="3589800"/>
+            <a:off x="2468875" y="16970450"/>
+            <a:ext cx="13231200" cy="3589800"/>
           </a:xfrm>
           <a:prstGeom prst="rect">
             <a:avLst/>
@@ -7353,7 +7353,44 @@
                 <a:cs typeface="Nunito"/>
                 <a:sym typeface="Nunito"/>
               </a:rPr>
-              <a:t>" (do the calculations requested by) your program.</a:t>
+              <a:t>"</a:t>
+            </a:r>
+            <a:endParaRPr sz="4500">
+              <a:solidFill>
+                <a:srgbClr val="323232"/>
+              </a:solidFill>
+              <a:latin typeface="Nunito"/>
+              <a:ea typeface="Nunito"/>
+              <a:cs typeface="Nunito"/>
+              <a:sym typeface="Nunito"/>
+            </a:endParaRPr>
+          </a:p>
+          <a:p>
+            <a:pPr indent="-450850" lvl="0" marL="317500" rtl="0" algn="l">
+              <a:spcBef>
+                <a:spcPts val="0"/>
+              </a:spcBef>
+              <a:spcAft>
+                <a:spcPts val="0"/>
+              </a:spcAft>
+              <a:buClr>
+                <a:srgbClr val="323232"/>
+              </a:buClr>
+              <a:buSzPts val="4500"/>
+              <a:buFont typeface="Nunito"/>
+              <a:buChar char="-"/>
+            </a:pPr>
+            <a:r>
+              <a:rPr lang="zh-CN" sz="4500">
+                <a:solidFill>
+                  <a:srgbClr val="323232"/>
+                </a:solidFill>
+                <a:latin typeface="Nunito"/>
+                <a:ea typeface="Nunito"/>
+                <a:cs typeface="Nunito"/>
+                <a:sym typeface="Nunito"/>
+              </a:rPr>
+              <a:t>(do the calculations requested by) your program.</a:t>
             </a:r>
             <a:endParaRPr sz="4500">
               <a:solidFill>
@@ -7856,7 +7893,7 @@
         </p:nvSpPr>
         <p:spPr>
           <a:xfrm>
-            <a:off x="2180951" y="18967320"/>
+            <a:off x="2238726" y="18983745"/>
             <a:ext cx="13377600" cy="1685100"/>
           </a:xfrm>
           <a:prstGeom prst="roundRect">
@@ -7937,8 +7974,8 @@
         </p:nvCxnSpPr>
         <p:spPr>
           <a:xfrm>
-            <a:off x="15558551" y="19809870"/>
-            <a:ext cx="1045200" cy="1228200"/>
+            <a:off x="15616326" y="19826295"/>
+            <a:ext cx="987600" cy="1211700"/>
           </a:xfrm>
           <a:prstGeom prst="straightConnector1">
             <a:avLst/>
@@ -24135,7 +24172,7 @@
             <a:tbl>
               <a:tblPr>
                 <a:noFill/>
-                <a:tableStyleId>{ECE53D99-3DA3-4D30-A5ED-A5F6B61B6D38}</a:tableStyleId>
+                <a:tableStyleId>{C0B00F77-B832-4F29-8875-84EC3B13C61A}</a:tableStyleId>
               </a:tblPr>
               <a:tblGrid>
                 <a:gridCol w="3839625"/>
@@ -31642,7 +31679,7 @@
             <a:tbl>
               <a:tblPr>
                 <a:noFill/>
-                <a:tableStyleId>{ECE53D99-3DA3-4D30-A5ED-A5F6B61B6D38}</a:tableStyleId>
+                <a:tableStyleId>{C0B00F77-B832-4F29-8875-84EC3B13C61A}</a:tableStyleId>
               </a:tblPr>
               <a:tblGrid>
                 <a:gridCol w="6526575"/>
@@ -33333,7 +33370,7 @@
             <a:tbl>
               <a:tblPr>
                 <a:noFill/>
-                <a:tableStyleId>{ECE53D99-3DA3-4D30-A5ED-A5F6B61B6D38}</a:tableStyleId>
+                <a:tableStyleId>{C0B00F77-B832-4F29-8875-84EC3B13C61A}</a:tableStyleId>
               </a:tblPr>
               <a:tblGrid>
                 <a:gridCol w="6526575"/>
@@ -45395,6 +45432,285 @@
 </file>
 
 <file path=ppt/theme/theme1.xml><?xml version="1.0" encoding="utf-8"?>
+<a:theme xmlns:a="http://schemas.openxmlformats.org/drawingml/2006/main" xmlns:r="http://schemas.openxmlformats.org/officeDocument/2006/relationships">
+  <a:themeElements>
+    <a:clrScheme name="Default">
+      <a:dk1>
+        <a:srgbClr val="000000"/>
+      </a:dk1>
+      <a:lt1>
+        <a:srgbClr val="FFFFFF"/>
+      </a:lt1>
+      <a:dk2>
+        <a:srgbClr val="158158"/>
+      </a:dk2>
+      <a:lt2>
+        <a:srgbClr val="F3F3F3"/>
+      </a:lt2>
+      <a:accent1>
+        <a:srgbClr val="058DC7"/>
+      </a:accent1>
+      <a:accent2>
+        <a:srgbClr val="50B432"/>
+      </a:accent2>
+      <a:accent3>
+        <a:srgbClr val="ED561B"/>
+      </a:accent3>
+      <a:accent4>
+        <a:srgbClr val="EDEF00"/>
+      </a:accent4>
+      <a:accent5>
+        <a:srgbClr val="24CBE5"/>
+      </a:accent5>
+      <a:accent6>
+        <a:srgbClr val="64E572"/>
+      </a:accent6>
+      <a:hlink>
+        <a:srgbClr val="2200CC"/>
+      </a:hlink>
+      <a:folHlink>
+        <a:srgbClr val="551A8B"/>
+      </a:folHlink>
+    </a:clrScheme>
+    <a:fontScheme name="Office">
+      <a:majorFont>
+        <a:latin typeface="Arial"/>
+        <a:ea typeface=""/>
+        <a:cs typeface=""/>
+        <a:font script="Jpan" typeface="ＭＳ Ｐゴシック"/>
+        <a:font script="Hang" typeface="맑은 고딕"/>
+        <a:font script="Hans" typeface="宋体"/>
+        <a:font script="Hant" typeface="新細明體"/>
+        <a:font script="Arab" typeface="Times New Roman"/>
+        <a:font script="Hebr" typeface="Times New Roman"/>
+        <a:font script="Thai" typeface="Angsana New"/>
+        <a:font script="Ethi" typeface="Nyala"/>
+        <a:font script="Beng" typeface="Vrinda"/>
+        <a:font script="Gujr" typeface="Shruti"/>
+        <a:font script="Khmr" typeface="MoolBoran"/>
+        <a:font script="Knda" typeface="Tunga"/>
+        <a:font script="Guru" typeface="Raavi"/>
+        <a:font script="Cans" typeface="Euphemia"/>
+        <a:font script="Cher" typeface="Plantagenet Cherokee"/>
+        <a:font script="Yiii" typeface="Microsoft Yi Baiti"/>
+        <a:font script="Tibt" typeface="Microsoft Himalaya"/>
+        <a:font script="Thaa" typeface="MV Boli"/>
+        <a:font script="Deva" typeface="Mangal"/>
+        <a:font script="Telu" typeface="Gautami"/>
+        <a:font script="Taml" typeface="Latha"/>
+        <a:font script="Syrc" typeface="Estrangelo Edessa"/>
+        <a:font script="Orya" typeface="Kalinga"/>
+        <a:font script="Mlym" typeface="Kartika"/>
+        <a:font script="Laoo" typeface="DokChampa"/>
+        <a:font script="Sinh" typeface="Iskoola Pota"/>
+        <a:font script="Mong" typeface="Mongolian Baiti"/>
+        <a:font script="Viet" typeface="Times New Roman"/>
+        <a:font script="Uigh" typeface="Microsoft Uighur"/>
+        <a:font script="Geor" typeface="Sylfaen"/>
+      </a:majorFont>
+      <a:minorFont>
+        <a:latin typeface="Arial"/>
+        <a:ea typeface=""/>
+        <a:cs typeface=""/>
+        <a:font script="Jpan" typeface="ＭＳ Ｐゴシック"/>
+        <a:font script="Hang" typeface="맑은 고딕"/>
+        <a:font script="Hans" typeface="宋体"/>
+        <a:font script="Hant" typeface="新細明體"/>
+        <a:font script="Arab" typeface="Arial"/>
+        <a:font script="Hebr" typeface="Arial"/>
+        <a:font script="Thai" typeface="Cordia New"/>
+        <a:font script="Ethi" typeface="Nyala"/>
+        <a:font script="Beng" typeface="Vrinda"/>
+        <a:font script="Gujr" typeface="Shruti"/>
+        <a:font script="Khmr" typeface="DaunPenh"/>
+        <a:font script="Knda" typeface="Tunga"/>
+        <a:font script="Guru" typeface="Raavi"/>
+        <a:font script="Cans" typeface="Euphemia"/>
+        <a:font script="Cher" typeface="Plantagenet Cherokee"/>
+        <a:font script="Yiii" typeface="Microsoft Yi Baiti"/>
+        <a:font script="Tibt" typeface="Microsoft Himalaya"/>
+        <a:font script="Thaa" typeface="MV Boli"/>
+        <a:font script="Deva" typeface="Mangal"/>
+        <a:font script="Telu" typeface="Gautami"/>
+        <a:font script="Taml" typeface="Latha"/>
+        <a:font script="Syrc" typeface="Estrangelo Edessa"/>
+        <a:font script="Orya" typeface="Kalinga"/>
+        <a:font script="Mlym" typeface="Kartika"/>
+        <a:font script="Laoo" typeface="DokChampa"/>
+        <a:font script="Sinh" typeface="Iskoola Pota"/>
+        <a:font script="Mong" typeface="Mongolian Baiti"/>
+        <a:font script="Viet" typeface="Arial"/>
+        <a:font script="Uigh" typeface="Microsoft Uighur"/>
+        <a:font script="Geor" typeface="Sylfaen"/>
+      </a:minorFont>
+    </a:fontScheme>
+    <a:fmtScheme name="Office">
+      <a:fillStyleLst>
+        <a:solidFill>
+          <a:schemeClr val="phClr"/>
+        </a:solidFill>
+        <a:gradFill rotWithShape="1">
+          <a:gsLst>
+            <a:gs pos="0">
+              <a:schemeClr val="phClr">
+                <a:tint val="50000"/>
+                <a:satMod val="300000"/>
+              </a:schemeClr>
+            </a:gs>
+            <a:gs pos="35000">
+              <a:schemeClr val="phClr">
+                <a:tint val="37000"/>
+                <a:satMod val="300000"/>
+              </a:schemeClr>
+            </a:gs>
+            <a:gs pos="100000">
+              <a:schemeClr val="phClr">
+                <a:tint val="15000"/>
+                <a:satMod val="350000"/>
+              </a:schemeClr>
+            </a:gs>
+          </a:gsLst>
+          <a:lin ang="16200000" scaled="1"/>
+        </a:gradFill>
+        <a:gradFill rotWithShape="1">
+          <a:gsLst>
+            <a:gs pos="0">
+              <a:schemeClr val="phClr">
+                <a:tint val="100000"/>
+                <a:shade val="100000"/>
+                <a:satMod val="130000"/>
+              </a:schemeClr>
+            </a:gs>
+            <a:gs pos="100000">
+              <a:schemeClr val="phClr">
+                <a:tint val="50000"/>
+                <a:shade val="100000"/>
+                <a:satMod val="350000"/>
+              </a:schemeClr>
+            </a:gs>
+          </a:gsLst>
+          <a:lin ang="16200000" scaled="0"/>
+        </a:gradFill>
+      </a:fillStyleLst>
+      <a:lnStyleLst>
+        <a:ln w="9525" cap="flat" cmpd="sng" algn="ctr">
+          <a:solidFill>
+            <a:schemeClr val="phClr">
+              <a:shade val="95000"/>
+              <a:satMod val="105000"/>
+            </a:schemeClr>
+          </a:solidFill>
+          <a:prstDash val="solid"/>
+        </a:ln>
+        <a:ln w="25400" cap="flat" cmpd="sng" algn="ctr">
+          <a:solidFill>
+            <a:schemeClr val="phClr"/>
+          </a:solidFill>
+          <a:prstDash val="solid"/>
+        </a:ln>
+        <a:ln w="38100" cap="flat" cmpd="sng" algn="ctr">
+          <a:solidFill>
+            <a:schemeClr val="phClr"/>
+          </a:solidFill>
+          <a:prstDash val="solid"/>
+        </a:ln>
+      </a:lnStyleLst>
+      <a:effectStyleLst>
+        <a:effectStyle>
+          <a:effectLst>
+            <a:outerShdw blurRad="40000" dist="20000" dir="5400000" rotWithShape="0">
+              <a:srgbClr val="000000">
+                <a:alpha val="38000"/>
+              </a:srgbClr>
+            </a:outerShdw>
+          </a:effectLst>
+        </a:effectStyle>
+        <a:effectStyle>
+          <a:effectLst>
+            <a:outerShdw blurRad="40000" dist="23000" dir="5400000" rotWithShape="0">
+              <a:srgbClr val="000000">
+                <a:alpha val="35000"/>
+              </a:srgbClr>
+            </a:outerShdw>
+          </a:effectLst>
+        </a:effectStyle>
+        <a:effectStyle>
+          <a:effectLst>
+            <a:outerShdw blurRad="40000" dist="23000" dir="5400000" rotWithShape="0">
+              <a:srgbClr val="000000">
+                <a:alpha val="35000"/>
+              </a:srgbClr>
+            </a:outerShdw>
+          </a:effectLst>
+          <a:scene3d>
+            <a:camera prst="orthographicFront">
+              <a:rot lat="0" lon="0" rev="0"/>
+            </a:camera>
+            <a:lightRig rig="threePt" dir="t">
+              <a:rot lat="0" lon="0" rev="1200000"/>
+            </a:lightRig>
+          </a:scene3d>
+          <a:sp3d>
+            <a:bevelT w="63500" h="25400"/>
+          </a:sp3d>
+        </a:effectStyle>
+      </a:effectStyleLst>
+      <a:bgFillStyleLst>
+        <a:solidFill>
+          <a:schemeClr val="phClr"/>
+        </a:solidFill>
+        <a:gradFill rotWithShape="1">
+          <a:gsLst>
+            <a:gs pos="0">
+              <a:schemeClr val="phClr">
+                <a:tint val="40000"/>
+                <a:satMod val="350000"/>
+              </a:schemeClr>
+            </a:gs>
+            <a:gs pos="40000">
+              <a:schemeClr val="phClr">
+                <a:tint val="45000"/>
+                <a:shade val="99000"/>
+                <a:satMod val="350000"/>
+              </a:schemeClr>
+            </a:gs>
+            <a:gs pos="100000">
+              <a:schemeClr val="phClr">
+                <a:shade val="20000"/>
+                <a:satMod val="255000"/>
+              </a:schemeClr>
+            </a:gs>
+          </a:gsLst>
+          <a:path path="circle">
+            <a:fillToRect l="50000" t="-80000" r="50000" b="180000"/>
+          </a:path>
+        </a:gradFill>
+        <a:gradFill rotWithShape="1">
+          <a:gsLst>
+            <a:gs pos="0">
+              <a:schemeClr val="phClr">
+                <a:tint val="80000"/>
+                <a:satMod val="300000"/>
+              </a:schemeClr>
+            </a:gs>
+            <a:gs pos="100000">
+              <a:schemeClr val="phClr">
+                <a:shade val="30000"/>
+                <a:satMod val="200000"/>
+              </a:schemeClr>
+            </a:gs>
+          </a:gsLst>
+          <a:path path="circle">
+            <a:fillToRect l="50000" t="50000" r="50000" b="50000"/>
+          </a:path>
+        </a:gradFill>
+      </a:bgFillStyleLst>
+    </a:fmtScheme>
+  </a:themeElements>
+</a:theme>
+</file>
+
+<file path=ppt/theme/theme2.xml><?xml version="1.0" encoding="utf-8"?>
 <a:theme xmlns:a="http://schemas.openxmlformats.org/drawingml/2006/main" xmlns:r="http://schemas.openxmlformats.org/officeDocument/2006/relationships" name="Simple Light">
   <a:themeElements>
     <a:clrScheme name="Simple Light">
@@ -45671,283 +45987,4 @@
     </a:fmtScheme>
   </a:themeElements>
 </a:theme>
-</file>
-
-<file path=ppt/theme/theme2.xml><?xml version="1.0" encoding="utf-8"?>
-<a:theme xmlns:a="http://schemas.openxmlformats.org/drawingml/2006/main" xmlns:r="http://schemas.openxmlformats.org/officeDocument/2006/relationships">
-  <a:themeElements>
-    <a:clrScheme name="Default">
-      <a:dk1>
-        <a:srgbClr val="000000"/>
-      </a:dk1>
-      <a:lt1>
-        <a:srgbClr val="FFFFFF"/>
-      </a:lt1>
-      <a:dk2>
-        <a:srgbClr val="158158"/>
-      </a:dk2>
-      <a:lt2>
-        <a:srgbClr val="F3F3F3"/>
-      </a:lt2>
-      <a:accent1>
-        <a:srgbClr val="058DC7"/>
-      </a:accent1>
-      <a:accent2>
-        <a:srgbClr val="50B432"/>
-      </a:accent2>
-      <a:accent3>
-        <a:srgbClr val="ED561B"/>
-      </a:accent3>
-      <a:accent4>
-        <a:srgbClr val="EDEF00"/>
-      </a:accent4>
-      <a:accent5>
-        <a:srgbClr val="24CBE5"/>
-      </a:accent5>
-      <a:accent6>
-        <a:srgbClr val="64E572"/>
-      </a:accent6>
-      <a:hlink>
-        <a:srgbClr val="2200CC"/>
-      </a:hlink>
-      <a:folHlink>
-        <a:srgbClr val="551A8B"/>
-      </a:folHlink>
-    </a:clrScheme>
-    <a:fontScheme name="Office">
-      <a:majorFont>
-        <a:latin typeface="Arial"/>
-        <a:ea typeface=""/>
-        <a:cs typeface=""/>
-        <a:font script="Jpan" typeface="ＭＳ Ｐゴシック"/>
-        <a:font script="Hang" typeface="맑은 고딕"/>
-        <a:font script="Hans" typeface="宋体"/>
-        <a:font script="Hant" typeface="新細明體"/>
-        <a:font script="Arab" typeface="Times New Roman"/>
-        <a:font script="Hebr" typeface="Times New Roman"/>
-        <a:font script="Thai" typeface="Angsana New"/>
-        <a:font script="Ethi" typeface="Nyala"/>
-        <a:font script="Beng" typeface="Vrinda"/>
-        <a:font script="Gujr" typeface="Shruti"/>
-        <a:font script="Khmr" typeface="MoolBoran"/>
-        <a:font script="Knda" typeface="Tunga"/>
-        <a:font script="Guru" typeface="Raavi"/>
-        <a:font script="Cans" typeface="Euphemia"/>
-        <a:font script="Cher" typeface="Plantagenet Cherokee"/>
-        <a:font script="Yiii" typeface="Microsoft Yi Baiti"/>
-        <a:font script="Tibt" typeface="Microsoft Himalaya"/>
-        <a:font script="Thaa" typeface="MV Boli"/>
-        <a:font script="Deva" typeface="Mangal"/>
-        <a:font script="Telu" typeface="Gautami"/>
-        <a:font script="Taml" typeface="Latha"/>
-        <a:font script="Syrc" typeface="Estrangelo Edessa"/>
-        <a:font script="Orya" typeface="Kalinga"/>
-        <a:font script="Mlym" typeface="Kartika"/>
-        <a:font script="Laoo" typeface="DokChampa"/>
-        <a:font script="Sinh" typeface="Iskoola Pota"/>
-        <a:font script="Mong" typeface="Mongolian Baiti"/>
-        <a:font script="Viet" typeface="Times New Roman"/>
-        <a:font script="Uigh" typeface="Microsoft Uighur"/>
-        <a:font script="Geor" typeface="Sylfaen"/>
-      </a:majorFont>
-      <a:minorFont>
-        <a:latin typeface="Arial"/>
-        <a:ea typeface=""/>
-        <a:cs typeface=""/>
-        <a:font script="Jpan" typeface="ＭＳ Ｐゴシック"/>
-        <a:font script="Hang" typeface="맑은 고딕"/>
-        <a:font script="Hans" typeface="宋体"/>
-        <a:font script="Hant" typeface="新細明體"/>
-        <a:font script="Arab" typeface="Arial"/>
-        <a:font script="Hebr" typeface="Arial"/>
-        <a:font script="Thai" typeface="Cordia New"/>
-        <a:font script="Ethi" typeface="Nyala"/>
-        <a:font script="Beng" typeface="Vrinda"/>
-        <a:font script="Gujr" typeface="Shruti"/>
-        <a:font script="Khmr" typeface="DaunPenh"/>
-        <a:font script="Knda" typeface="Tunga"/>
-        <a:font script="Guru" typeface="Raavi"/>
-        <a:font script="Cans" typeface="Euphemia"/>
-        <a:font script="Cher" typeface="Plantagenet Cherokee"/>
-        <a:font script="Yiii" typeface="Microsoft Yi Baiti"/>
-        <a:font script="Tibt" typeface="Microsoft Himalaya"/>
-        <a:font script="Thaa" typeface="MV Boli"/>
-        <a:font script="Deva" typeface="Mangal"/>
-        <a:font script="Telu" typeface="Gautami"/>
-        <a:font script="Taml" typeface="Latha"/>
-        <a:font script="Syrc" typeface="Estrangelo Edessa"/>
-        <a:font script="Orya" typeface="Kalinga"/>
-        <a:font script="Mlym" typeface="Kartika"/>
-        <a:font script="Laoo" typeface="DokChampa"/>
-        <a:font script="Sinh" typeface="Iskoola Pota"/>
-        <a:font script="Mong" typeface="Mongolian Baiti"/>
-        <a:font script="Viet" typeface="Arial"/>
-        <a:font script="Uigh" typeface="Microsoft Uighur"/>
-        <a:font script="Geor" typeface="Sylfaen"/>
-      </a:minorFont>
-    </a:fontScheme>
-    <a:fmtScheme name="Office">
-      <a:fillStyleLst>
-        <a:solidFill>
-          <a:schemeClr val="phClr"/>
-        </a:solidFill>
-        <a:gradFill rotWithShape="1">
-          <a:gsLst>
-            <a:gs pos="0">
-              <a:schemeClr val="phClr">
-                <a:tint val="50000"/>
-                <a:satMod val="300000"/>
-              </a:schemeClr>
-            </a:gs>
-            <a:gs pos="35000">
-              <a:schemeClr val="phClr">
-                <a:tint val="37000"/>
-                <a:satMod val="300000"/>
-              </a:schemeClr>
-            </a:gs>
-            <a:gs pos="100000">
-              <a:schemeClr val="phClr">
-                <a:tint val="15000"/>
-                <a:satMod val="350000"/>
-              </a:schemeClr>
-            </a:gs>
-          </a:gsLst>
-          <a:lin ang="16200000" scaled="1"/>
-        </a:gradFill>
-        <a:gradFill rotWithShape="1">
-          <a:gsLst>
-            <a:gs pos="0">
-              <a:schemeClr val="phClr">
-                <a:tint val="100000"/>
-                <a:shade val="100000"/>
-                <a:satMod val="130000"/>
-              </a:schemeClr>
-            </a:gs>
-            <a:gs pos="100000">
-              <a:schemeClr val="phClr">
-                <a:tint val="50000"/>
-                <a:shade val="100000"/>
-                <a:satMod val="350000"/>
-              </a:schemeClr>
-            </a:gs>
-          </a:gsLst>
-          <a:lin ang="16200000" scaled="0"/>
-        </a:gradFill>
-      </a:fillStyleLst>
-      <a:lnStyleLst>
-        <a:ln w="9525" cap="flat" cmpd="sng" algn="ctr">
-          <a:solidFill>
-            <a:schemeClr val="phClr">
-              <a:shade val="95000"/>
-              <a:satMod val="105000"/>
-            </a:schemeClr>
-          </a:solidFill>
-          <a:prstDash val="solid"/>
-        </a:ln>
-        <a:ln w="25400" cap="flat" cmpd="sng" algn="ctr">
-          <a:solidFill>
-            <a:schemeClr val="phClr"/>
-          </a:solidFill>
-          <a:prstDash val="solid"/>
-        </a:ln>
-        <a:ln w="38100" cap="flat" cmpd="sng" algn="ctr">
-          <a:solidFill>
-            <a:schemeClr val="phClr"/>
-          </a:solidFill>
-          <a:prstDash val="solid"/>
-        </a:ln>
-      </a:lnStyleLst>
-      <a:effectStyleLst>
-        <a:effectStyle>
-          <a:effectLst>
-            <a:outerShdw blurRad="40000" dist="20000" dir="5400000" rotWithShape="0">
-              <a:srgbClr val="000000">
-                <a:alpha val="38000"/>
-              </a:srgbClr>
-            </a:outerShdw>
-          </a:effectLst>
-        </a:effectStyle>
-        <a:effectStyle>
-          <a:effectLst>
-            <a:outerShdw blurRad="40000" dist="23000" dir="5400000" rotWithShape="0">
-              <a:srgbClr val="000000">
-                <a:alpha val="35000"/>
-              </a:srgbClr>
-            </a:outerShdw>
-          </a:effectLst>
-        </a:effectStyle>
-        <a:effectStyle>
-          <a:effectLst>
-            <a:outerShdw blurRad="40000" dist="23000" dir="5400000" rotWithShape="0">
-              <a:srgbClr val="000000">
-                <a:alpha val="35000"/>
-              </a:srgbClr>
-            </a:outerShdw>
-          </a:effectLst>
-          <a:scene3d>
-            <a:camera prst="orthographicFront">
-              <a:rot lat="0" lon="0" rev="0"/>
-            </a:camera>
-            <a:lightRig rig="threePt" dir="t">
-              <a:rot lat="0" lon="0" rev="1200000"/>
-            </a:lightRig>
-          </a:scene3d>
-          <a:sp3d>
-            <a:bevelT w="63500" h="25400"/>
-          </a:sp3d>
-        </a:effectStyle>
-      </a:effectStyleLst>
-      <a:bgFillStyleLst>
-        <a:solidFill>
-          <a:schemeClr val="phClr"/>
-        </a:solidFill>
-        <a:gradFill rotWithShape="1">
-          <a:gsLst>
-            <a:gs pos="0">
-              <a:schemeClr val="phClr">
-                <a:tint val="40000"/>
-                <a:satMod val="350000"/>
-              </a:schemeClr>
-            </a:gs>
-            <a:gs pos="40000">
-              <a:schemeClr val="phClr">
-                <a:tint val="45000"/>
-                <a:shade val="99000"/>
-                <a:satMod val="350000"/>
-              </a:schemeClr>
-            </a:gs>
-            <a:gs pos="100000">
-              <a:schemeClr val="phClr">
-                <a:shade val="20000"/>
-                <a:satMod val="255000"/>
-              </a:schemeClr>
-            </a:gs>
-          </a:gsLst>
-          <a:path path="circle">
-            <a:fillToRect l="50000" t="-80000" r="50000" b="180000"/>
-          </a:path>
-        </a:gradFill>
-        <a:gradFill rotWithShape="1">
-          <a:gsLst>
-            <a:gs pos="0">
-              <a:schemeClr val="phClr">
-                <a:tint val="80000"/>
-                <a:satMod val="300000"/>
-              </a:schemeClr>
-            </a:gs>
-            <a:gs pos="100000">
-              <a:schemeClr val="phClr">
-                <a:shade val="30000"/>
-                <a:satMod val="200000"/>
-              </a:schemeClr>
-            </a:gs>
-          </a:gsLst>
-          <a:path path="circle">
-            <a:fillToRect l="50000" t="50000" r="50000" b="50000"/>
-          </a:path>
-        </a:gradFill>
-      </a:bgFillStyleLst>
-    </a:fmtScheme>
-  </a:themeElements>
-</a:theme>
 </file>
--- a/pdf.pptx
+++ b/pdf.pptx
@@ -24172,7 +24172,7 @@
             <a:tbl>
               <a:tblPr>
                 <a:noFill/>
-                <a:tableStyleId>{C0B00F77-B832-4F29-8875-84EC3B13C61A}</a:tableStyleId>
+                <a:tableStyleId>{1679CE99-6FE1-4657-A6C1-3D4DE259C562}</a:tableStyleId>
               </a:tblPr>
               <a:tblGrid>
                 <a:gridCol w="3839625"/>
@@ -31679,7 +31679,7 @@
             <a:tbl>
               <a:tblPr>
                 <a:noFill/>
-                <a:tableStyleId>{C0B00F77-B832-4F29-8875-84EC3B13C61A}</a:tableStyleId>
+                <a:tableStyleId>{1679CE99-6FE1-4657-A6C1-3D4DE259C562}</a:tableStyleId>
               </a:tblPr>
               <a:tblGrid>
                 <a:gridCol w="6526575"/>
@@ -33370,7 +33370,7 @@
             <a:tbl>
               <a:tblPr>
                 <a:noFill/>
-                <a:tableStyleId>{C0B00F77-B832-4F29-8875-84EC3B13C61A}</a:tableStyleId>
+                <a:tableStyleId>{1679CE99-6FE1-4657-A6C1-3D4DE259C562}</a:tableStyleId>
               </a:tblPr>
               <a:tblGrid>
                 <a:gridCol w="6526575"/>
@@ -40144,8 +40144,8 @@
         </p:nvSpPr>
         <p:spPr>
           <a:xfrm>
-            <a:off x="3331966" y="32546204"/>
-            <a:ext cx="11280600" cy="6504900"/>
+            <a:off x="3037700" y="32546200"/>
+            <a:ext cx="12228300" cy="6504900"/>
           </a:xfrm>
           <a:prstGeom prst="roundRect">
             <a:avLst>
